--- a/resources/Culturgest-espacos/culturgest-maps.sponsors-and-posters.pptx
+++ b/resources/Culturgest-espacos/culturgest-maps.sponsors-and-posters.pptx
@@ -5,10 +5,8 @@
     <p:sldMasterId id="2147483648" r:id="rId1"/>
   </p:sldMasterIdLst>
   <p:sldIdLst>
-    <p:sldId id="262" r:id="rId2"/>
-    <p:sldId id="258" r:id="rId3"/>
-    <p:sldId id="260" r:id="rId4"/>
-    <p:sldId id="263" r:id="rId5"/>
+    <p:sldId id="258" r:id="rId2"/>
+    <p:sldId id="263" r:id="rId3"/>
   </p:sldIdLst>
   <p:sldSz cx="9144000" cy="6858000" type="screen4x3"/>
   <p:notesSz cx="6858000" cy="9144000"/>
@@ -291,7 +289,7 @@
           <a:p>
             <a:fld id="{3BFD2B54-DB31-CC4F-AB57-0FBF0E49E955}" type="datetimeFigureOut">
               <a:rPr lang="en-US" smtClean="0"/>
-              <a:t>26/08/15</a:t>
+              <a:t>08/09/15</a:t>
             </a:fld>
             <a:endParaRPr lang="en-US"/>
           </a:p>
@@ -461,7 +459,7 @@
           <a:p>
             <a:fld id="{3BFD2B54-DB31-CC4F-AB57-0FBF0E49E955}" type="datetimeFigureOut">
               <a:rPr lang="en-US" smtClean="0"/>
-              <a:t>26/08/15</a:t>
+              <a:t>08/09/15</a:t>
             </a:fld>
             <a:endParaRPr lang="en-US"/>
           </a:p>
@@ -641,7 +639,7 @@
           <a:p>
             <a:fld id="{3BFD2B54-DB31-CC4F-AB57-0FBF0E49E955}" type="datetimeFigureOut">
               <a:rPr lang="en-US" smtClean="0"/>
-              <a:t>26/08/15</a:t>
+              <a:t>08/09/15</a:t>
             </a:fld>
             <a:endParaRPr lang="en-US"/>
           </a:p>
@@ -811,7 +809,7 @@
           <a:p>
             <a:fld id="{3BFD2B54-DB31-CC4F-AB57-0FBF0E49E955}" type="datetimeFigureOut">
               <a:rPr lang="en-US" smtClean="0"/>
-              <a:t>26/08/15</a:t>
+              <a:t>08/09/15</a:t>
             </a:fld>
             <a:endParaRPr lang="en-US"/>
           </a:p>
@@ -1057,7 +1055,7 @@
           <a:p>
             <a:fld id="{3BFD2B54-DB31-CC4F-AB57-0FBF0E49E955}" type="datetimeFigureOut">
               <a:rPr lang="en-US" smtClean="0"/>
-              <a:t>26/08/15</a:t>
+              <a:t>08/09/15</a:t>
             </a:fld>
             <a:endParaRPr lang="en-US"/>
           </a:p>
@@ -1345,7 +1343,7 @@
           <a:p>
             <a:fld id="{3BFD2B54-DB31-CC4F-AB57-0FBF0E49E955}" type="datetimeFigureOut">
               <a:rPr lang="en-US" smtClean="0"/>
-              <a:t>26/08/15</a:t>
+              <a:t>08/09/15</a:t>
             </a:fld>
             <a:endParaRPr lang="en-US"/>
           </a:p>
@@ -1767,7 +1765,7 @@
           <a:p>
             <a:fld id="{3BFD2B54-DB31-CC4F-AB57-0FBF0E49E955}" type="datetimeFigureOut">
               <a:rPr lang="en-US" smtClean="0"/>
-              <a:t>26/08/15</a:t>
+              <a:t>08/09/15</a:t>
             </a:fld>
             <a:endParaRPr lang="en-US"/>
           </a:p>
@@ -1885,7 +1883,7 @@
           <a:p>
             <a:fld id="{3BFD2B54-DB31-CC4F-AB57-0FBF0E49E955}" type="datetimeFigureOut">
               <a:rPr lang="en-US" smtClean="0"/>
-              <a:t>26/08/15</a:t>
+              <a:t>08/09/15</a:t>
             </a:fld>
             <a:endParaRPr lang="en-US"/>
           </a:p>
@@ -1980,7 +1978,7 @@
           <a:p>
             <a:fld id="{3BFD2B54-DB31-CC4F-AB57-0FBF0E49E955}" type="datetimeFigureOut">
               <a:rPr lang="en-US" smtClean="0"/>
-              <a:t>26/08/15</a:t>
+              <a:t>08/09/15</a:t>
             </a:fld>
             <a:endParaRPr lang="en-US"/>
           </a:p>
@@ -2257,7 +2255,7 @@
           <a:p>
             <a:fld id="{3BFD2B54-DB31-CC4F-AB57-0FBF0E49E955}" type="datetimeFigureOut">
               <a:rPr lang="en-US" smtClean="0"/>
-              <a:t>26/08/15</a:t>
+              <a:t>08/09/15</a:t>
             </a:fld>
             <a:endParaRPr lang="en-US"/>
           </a:p>
@@ -2510,7 +2508,7 @@
           <a:p>
             <a:fld id="{3BFD2B54-DB31-CC4F-AB57-0FBF0E49E955}" type="datetimeFigureOut">
               <a:rPr lang="en-US" smtClean="0"/>
-              <a:t>26/08/15</a:t>
+              <a:t>08/09/15</a:t>
             </a:fld>
             <a:endParaRPr lang="en-US"/>
           </a:p>
@@ -2723,7 +2721,7 @@
           <a:p>
             <a:fld id="{3BFD2B54-DB31-CC4F-AB57-0FBF0E49E955}" type="datetimeFigureOut">
               <a:rPr lang="en-US" smtClean="0"/>
-              <a:t>26/08/15</a:t>
+              <a:t>08/09/15</a:t>
             </a:fld>
             <a:endParaRPr lang="en-US"/>
           </a:p>
@@ -3082,530 +3080,6 @@
 </file>
 
 <file path=ppt/slides/slide1.xml><?xml version="1.0" encoding="utf-8"?>
-<p:sld xmlns:a="http://schemas.openxmlformats.org/drawingml/2006/main" xmlns:r="http://schemas.openxmlformats.org/officeDocument/2006/relationships" xmlns:p="http://schemas.openxmlformats.org/presentationml/2006/main">
-  <p:cSld>
-    <p:spTree>
-      <p:nvGrpSpPr>
-        <p:cNvPr id="1" name=""/>
-        <p:cNvGrpSpPr/>
-        <p:nvPr/>
-      </p:nvGrpSpPr>
-      <p:grpSpPr>
-        <a:xfrm>
-          <a:off x="0" y="0"/>
-          <a:ext cx="0" cy="0"/>
-          <a:chOff x="0" y="0"/>
-          <a:chExt cx="0" cy="0"/>
-        </a:xfrm>
-      </p:grpSpPr>
-      <p:sp>
-        <p:nvSpPr>
-          <p:cNvPr id="3" name="TextBox 2"/>
-          <p:cNvSpPr txBox="1"/>
-          <p:nvPr/>
-        </p:nvSpPr>
-        <p:spPr>
-          <a:xfrm>
-            <a:off x="635026" y="649580"/>
-            <a:ext cx="3087536" cy="1384995"/>
-          </a:xfrm>
-          <a:prstGeom prst="rect">
-            <a:avLst/>
-          </a:prstGeom>
-          <a:noFill/>
-        </p:spPr>
-        <p:txBody>
-          <a:bodyPr wrap="square" rtlCol="0">
-            <a:spAutoFit/>
-          </a:bodyPr>
-          <a:lstStyle/>
-          <a:p>
-            <a:r>
-              <a:rPr lang="en-US" sz="1200" b="1" dirty="0" smtClean="0"/>
-              <a:t>Level -2 Main Entrance</a:t>
-            </a:r>
-          </a:p>
-          <a:p>
-            <a:r>
-              <a:rPr lang="en-US" sz="1200" dirty="0"/>
-              <a:t>T</a:t>
-            </a:r>
-            <a:r>
-              <a:rPr lang="en-US" sz="1200" dirty="0" smtClean="0"/>
-              <a:t>he </a:t>
-            </a:r>
-            <a:r>
-              <a:rPr lang="en-US" sz="1200" dirty="0"/>
-              <a:t>entrance to </a:t>
-            </a:r>
-            <a:r>
-              <a:rPr lang="en-US" sz="1200" dirty="0" err="1" smtClean="0"/>
-              <a:t>Culturgest</a:t>
-            </a:r>
-            <a:r>
-              <a:rPr lang="en-US" sz="1200" dirty="0" smtClean="0"/>
-              <a:t> </a:t>
-            </a:r>
-            <a:r>
-              <a:rPr lang="en-US" sz="1200" dirty="0"/>
-              <a:t>is situated in </a:t>
-            </a:r>
-            <a:r>
-              <a:rPr lang="en-US" sz="1200" dirty="0" err="1"/>
-              <a:t>Rua</a:t>
-            </a:r>
-            <a:r>
-              <a:rPr lang="en-US" sz="1200" dirty="0"/>
-              <a:t> Arco do </a:t>
-            </a:r>
-            <a:r>
-              <a:rPr lang="en-US" sz="1200" dirty="0" err="1" smtClean="0"/>
-              <a:t>Cego</a:t>
-            </a:r>
-            <a:r>
-              <a:rPr lang="en-US" sz="1200" dirty="0"/>
-              <a:t>. Located in the space of the entrance hall are the box office, the cafeteria and the stairs leading to the auditoria and meeting rooms, as well as the ramp leading to the art galleries and bookshop. </a:t>
-            </a:r>
-          </a:p>
-        </p:txBody>
-      </p:sp>
-      <p:sp>
-        <p:nvSpPr>
-          <p:cNvPr id="4" name="Rectangle 3"/>
-          <p:cNvSpPr/>
-          <p:nvPr/>
-        </p:nvSpPr>
-        <p:spPr>
-          <a:xfrm>
-            <a:off x="702085" y="2460903"/>
-            <a:ext cx="3327041" cy="1200329"/>
-          </a:xfrm>
-          <a:prstGeom prst="rect">
-            <a:avLst/>
-          </a:prstGeom>
-        </p:spPr>
-        <p:txBody>
-          <a:bodyPr wrap="square">
-            <a:spAutoFit/>
-          </a:bodyPr>
-          <a:lstStyle/>
-          <a:p>
-            <a:r>
-              <a:rPr lang="en-US" sz="1200" b="1" dirty="0" smtClean="0"/>
-              <a:t>Level </a:t>
-            </a:r>
-            <a:r>
-              <a:rPr lang="en-US" sz="1200" b="1" dirty="0"/>
-              <a:t>-2 </a:t>
-            </a:r>
-          </a:p>
-          <a:p>
-            <a:r>
-              <a:rPr lang="en-US" sz="1200" dirty="0" smtClean="0"/>
-              <a:t>1. Main </a:t>
-            </a:r>
-            <a:r>
-              <a:rPr lang="en-US" sz="1200" dirty="0"/>
-              <a:t>entrance</a:t>
-            </a:r>
-            <a:br>
-              <a:rPr lang="en-US" sz="1200" dirty="0"/>
-            </a:br>
-            <a:r>
-              <a:rPr lang="en-US" sz="1200" dirty="0"/>
-              <a:t>2. </a:t>
-            </a:r>
-            <a:r>
-              <a:rPr lang="en-US" sz="1200" dirty="0" smtClean="0"/>
-              <a:t>Ticket </a:t>
-            </a:r>
-            <a:r>
-              <a:rPr lang="en-US" sz="1200" dirty="0"/>
-              <a:t>office</a:t>
-            </a:r>
-            <a:br>
-              <a:rPr lang="en-US" sz="1200" dirty="0"/>
-            </a:br>
-            <a:r>
-              <a:rPr lang="en-US" sz="1200" dirty="0"/>
-              <a:t>3. Access to Main Auditorium and Meeting </a:t>
-            </a:r>
-            <a:r>
-              <a:rPr lang="en-US" sz="1200" dirty="0" smtClean="0"/>
-              <a:t>rooms</a:t>
-            </a:r>
-          </a:p>
-          <a:p>
-            <a:r>
-              <a:rPr lang="en-US" sz="1200" dirty="0" smtClean="0"/>
-              <a:t>4</a:t>
-            </a:r>
-            <a:r>
-              <a:rPr lang="en-US" sz="1200" dirty="0"/>
-              <a:t>. Access to Small Auditorium</a:t>
-            </a:r>
-            <a:br>
-              <a:rPr lang="en-US" sz="1200" dirty="0"/>
-            </a:br>
-            <a:r>
-              <a:rPr lang="en-US" sz="1200" dirty="0" smtClean="0"/>
-              <a:t>5. Cafeteria</a:t>
-            </a:r>
-            <a:endParaRPr lang="en-US" sz="1200" dirty="0"/>
-          </a:p>
-        </p:txBody>
-      </p:sp>
-      <p:pic>
-        <p:nvPicPr>
-          <p:cNvPr id="17" name="Picture 16"/>
-          <p:cNvPicPr>
-            <a:picLocks noChangeAspect="1"/>
-          </p:cNvPicPr>
-          <p:nvPr/>
-        </p:nvPicPr>
-        <p:blipFill>
-          <a:blip r:embed="rId2"/>
-          <a:stretch>
-            <a:fillRect/>
-          </a:stretch>
-        </p:blipFill>
-        <p:spPr>
-          <a:xfrm>
-            <a:off x="6377132" y="1262904"/>
-            <a:ext cx="2235200" cy="4178300"/>
-          </a:xfrm>
-          <a:prstGeom prst="rect">
-            <a:avLst/>
-          </a:prstGeom>
-        </p:spPr>
-      </p:pic>
-      <p:sp>
-        <p:nvSpPr>
-          <p:cNvPr id="20" name="Oval 19"/>
-          <p:cNvSpPr>
-            <a:spLocks noChangeAspect="1"/>
-          </p:cNvSpPr>
-          <p:nvPr/>
-        </p:nvSpPr>
-        <p:spPr>
-          <a:xfrm>
-            <a:off x="7758598" y="5098898"/>
-            <a:ext cx="216000" cy="216000"/>
-          </a:xfrm>
-          <a:prstGeom prst="ellipse">
-            <a:avLst/>
-          </a:prstGeom>
-          <a:solidFill>
-            <a:srgbClr val="FF0000"/>
-          </a:solidFill>
-          <a:ln>
-            <a:solidFill>
-              <a:srgbClr val="FF0000"/>
-            </a:solidFill>
-          </a:ln>
-        </p:spPr>
-        <p:style>
-          <a:lnRef idx="2">
-            <a:schemeClr val="accent2"/>
-          </a:lnRef>
-          <a:fillRef idx="1">
-            <a:schemeClr val="lt1"/>
-          </a:fillRef>
-          <a:effectRef idx="0">
-            <a:schemeClr val="accent2"/>
-          </a:effectRef>
-          <a:fontRef idx="minor">
-            <a:schemeClr val="dk1"/>
-          </a:fontRef>
-        </p:style>
-        <p:txBody>
-          <a:bodyPr wrap="none" lIns="0" tIns="0" rIns="0" bIns="18000" rtlCol="0" anchor="ctr"/>
-          <a:lstStyle/>
-          <a:p>
-            <a:pPr algn="ctr"/>
-            <a:r>
-              <a:rPr lang="en-US" sz="1200" dirty="0" smtClean="0">
-                <a:solidFill>
-                  <a:schemeClr val="bg1"/>
-                </a:solidFill>
-                <a:latin typeface="Arial"/>
-                <a:cs typeface="Arial"/>
-              </a:rPr>
-              <a:t>1</a:t>
-            </a:r>
-            <a:endParaRPr lang="en-US" sz="1200" dirty="0">
-              <a:solidFill>
-                <a:schemeClr val="bg1"/>
-              </a:solidFill>
-              <a:latin typeface="Arial"/>
-              <a:cs typeface="Arial"/>
-            </a:endParaRPr>
-          </a:p>
-        </p:txBody>
-      </p:sp>
-      <p:sp>
-        <p:nvSpPr>
-          <p:cNvPr id="21" name="Oval 20"/>
-          <p:cNvSpPr>
-            <a:spLocks noChangeAspect="1"/>
-          </p:cNvSpPr>
-          <p:nvPr/>
-        </p:nvSpPr>
-        <p:spPr>
-          <a:xfrm>
-            <a:off x="7938598" y="4208462"/>
-            <a:ext cx="216000" cy="216000"/>
-          </a:xfrm>
-          <a:prstGeom prst="ellipse">
-            <a:avLst/>
-          </a:prstGeom>
-          <a:solidFill>
-            <a:srgbClr val="FF0000"/>
-          </a:solidFill>
-          <a:ln>
-            <a:solidFill>
-              <a:srgbClr val="FF0000"/>
-            </a:solidFill>
-          </a:ln>
-        </p:spPr>
-        <p:style>
-          <a:lnRef idx="2">
-            <a:schemeClr val="accent2"/>
-          </a:lnRef>
-          <a:fillRef idx="1">
-            <a:schemeClr val="lt1"/>
-          </a:fillRef>
-          <a:effectRef idx="0">
-            <a:schemeClr val="accent2"/>
-          </a:effectRef>
-          <a:fontRef idx="minor">
-            <a:schemeClr val="dk1"/>
-          </a:fontRef>
-        </p:style>
-        <p:txBody>
-          <a:bodyPr wrap="none" lIns="0" tIns="0" rIns="0" bIns="18000" rtlCol="0" anchor="ctr"/>
-          <a:lstStyle/>
-          <a:p>
-            <a:pPr algn="ctr"/>
-            <a:r>
-              <a:rPr lang="en-US" sz="1200" dirty="0" smtClean="0">
-                <a:solidFill>
-                  <a:schemeClr val="bg1"/>
-                </a:solidFill>
-                <a:latin typeface="Arial"/>
-                <a:cs typeface="Arial"/>
-              </a:rPr>
-              <a:t>2</a:t>
-            </a:r>
-            <a:endParaRPr lang="en-US" sz="1200" dirty="0">
-              <a:solidFill>
-                <a:schemeClr val="bg1"/>
-              </a:solidFill>
-              <a:latin typeface="Arial"/>
-              <a:cs typeface="Arial"/>
-            </a:endParaRPr>
-          </a:p>
-        </p:txBody>
-      </p:sp>
-      <p:sp>
-        <p:nvSpPr>
-          <p:cNvPr id="22" name="Oval 21"/>
-          <p:cNvSpPr>
-            <a:spLocks noChangeAspect="1"/>
-          </p:cNvSpPr>
-          <p:nvPr/>
-        </p:nvSpPr>
-        <p:spPr>
-          <a:xfrm>
-            <a:off x="7296273" y="3157456"/>
-            <a:ext cx="216000" cy="216000"/>
-          </a:xfrm>
-          <a:prstGeom prst="ellipse">
-            <a:avLst/>
-          </a:prstGeom>
-          <a:solidFill>
-            <a:srgbClr val="FF0000"/>
-          </a:solidFill>
-          <a:ln>
-            <a:solidFill>
-              <a:srgbClr val="FF0000"/>
-            </a:solidFill>
-          </a:ln>
-        </p:spPr>
-        <p:style>
-          <a:lnRef idx="2">
-            <a:schemeClr val="accent2"/>
-          </a:lnRef>
-          <a:fillRef idx="1">
-            <a:schemeClr val="lt1"/>
-          </a:fillRef>
-          <a:effectRef idx="0">
-            <a:schemeClr val="accent2"/>
-          </a:effectRef>
-          <a:fontRef idx="minor">
-            <a:schemeClr val="dk1"/>
-          </a:fontRef>
-        </p:style>
-        <p:txBody>
-          <a:bodyPr wrap="none" lIns="0" tIns="0" rIns="0" bIns="18000" rtlCol="0" anchor="ctr"/>
-          <a:lstStyle/>
-          <a:p>
-            <a:pPr algn="ctr"/>
-            <a:r>
-              <a:rPr lang="en-US" sz="1200" dirty="0" smtClean="0">
-                <a:solidFill>
-                  <a:schemeClr val="bg1"/>
-                </a:solidFill>
-                <a:latin typeface="Arial"/>
-                <a:cs typeface="Arial"/>
-              </a:rPr>
-              <a:t>3</a:t>
-            </a:r>
-            <a:endParaRPr lang="en-US" sz="1200" dirty="0">
-              <a:solidFill>
-                <a:schemeClr val="bg1"/>
-              </a:solidFill>
-              <a:latin typeface="Arial"/>
-              <a:cs typeface="Arial"/>
-            </a:endParaRPr>
-          </a:p>
-        </p:txBody>
-      </p:sp>
-      <p:sp>
-        <p:nvSpPr>
-          <p:cNvPr id="23" name="Oval 22"/>
-          <p:cNvSpPr>
-            <a:spLocks noChangeAspect="1"/>
-          </p:cNvSpPr>
-          <p:nvPr/>
-        </p:nvSpPr>
-        <p:spPr>
-          <a:xfrm>
-            <a:off x="6573658" y="3395710"/>
-            <a:ext cx="216000" cy="216000"/>
-          </a:xfrm>
-          <a:prstGeom prst="ellipse">
-            <a:avLst/>
-          </a:prstGeom>
-          <a:solidFill>
-            <a:srgbClr val="FF0000"/>
-          </a:solidFill>
-          <a:ln>
-            <a:solidFill>
-              <a:srgbClr val="FF0000"/>
-            </a:solidFill>
-          </a:ln>
-        </p:spPr>
-        <p:style>
-          <a:lnRef idx="2">
-            <a:schemeClr val="accent2"/>
-          </a:lnRef>
-          <a:fillRef idx="1">
-            <a:schemeClr val="lt1"/>
-          </a:fillRef>
-          <a:effectRef idx="0">
-            <a:schemeClr val="accent2"/>
-          </a:effectRef>
-          <a:fontRef idx="minor">
-            <a:schemeClr val="dk1"/>
-          </a:fontRef>
-        </p:style>
-        <p:txBody>
-          <a:bodyPr wrap="none" lIns="0" tIns="0" rIns="0" bIns="18000" rtlCol="0" anchor="ctr"/>
-          <a:lstStyle/>
-          <a:p>
-            <a:pPr algn="ctr"/>
-            <a:r>
-              <a:rPr lang="en-US" sz="1200" dirty="0">
-                <a:solidFill>
-                  <a:schemeClr val="bg1"/>
-                </a:solidFill>
-                <a:latin typeface="Arial"/>
-                <a:cs typeface="Arial"/>
-              </a:rPr>
-              <a:t>4</a:t>
-            </a:r>
-          </a:p>
-        </p:txBody>
-      </p:sp>
-      <p:sp>
-        <p:nvSpPr>
-          <p:cNvPr id="24" name="Oval 23"/>
-          <p:cNvSpPr>
-            <a:spLocks noChangeAspect="1"/>
-          </p:cNvSpPr>
-          <p:nvPr/>
-        </p:nvSpPr>
-        <p:spPr>
-          <a:xfrm>
-            <a:off x="8028598" y="5334953"/>
-            <a:ext cx="216000" cy="216000"/>
-          </a:xfrm>
-          <a:prstGeom prst="ellipse">
-            <a:avLst/>
-          </a:prstGeom>
-          <a:solidFill>
-            <a:srgbClr val="FF0000"/>
-          </a:solidFill>
-          <a:ln>
-            <a:solidFill>
-              <a:srgbClr val="FF0000"/>
-            </a:solidFill>
-          </a:ln>
-        </p:spPr>
-        <p:style>
-          <a:lnRef idx="2">
-            <a:schemeClr val="accent2"/>
-          </a:lnRef>
-          <a:fillRef idx="1">
-            <a:schemeClr val="lt1"/>
-          </a:fillRef>
-          <a:effectRef idx="0">
-            <a:schemeClr val="accent2"/>
-          </a:effectRef>
-          <a:fontRef idx="minor">
-            <a:schemeClr val="dk1"/>
-          </a:fontRef>
-        </p:style>
-        <p:txBody>
-          <a:bodyPr wrap="none" lIns="0" tIns="0" rIns="0" bIns="18000" rtlCol="0" anchor="ctr"/>
-          <a:lstStyle/>
-          <a:p>
-            <a:pPr algn="ctr"/>
-            <a:r>
-              <a:rPr lang="en-US" sz="1200" dirty="0" smtClean="0">
-                <a:solidFill>
-                  <a:schemeClr val="bg1"/>
-                </a:solidFill>
-                <a:latin typeface="Arial"/>
-                <a:cs typeface="Arial"/>
-              </a:rPr>
-              <a:t>5</a:t>
-            </a:r>
-            <a:endParaRPr lang="en-US" sz="1200" dirty="0">
-              <a:solidFill>
-                <a:schemeClr val="bg1"/>
-              </a:solidFill>
-              <a:latin typeface="Arial"/>
-              <a:cs typeface="Arial"/>
-            </a:endParaRPr>
-          </a:p>
-        </p:txBody>
-      </p:sp>
-    </p:spTree>
-    <p:extLst>
-      <p:ext uri="{BB962C8B-B14F-4D97-AF65-F5344CB8AC3E}">
-        <p14:creationId xmlns:p14="http://schemas.microsoft.com/office/powerpoint/2010/main" val="4162377876"/>
-      </p:ext>
-    </p:extLst>
-  </p:cSld>
-  <p:clrMapOvr>
-    <a:masterClrMapping/>
-  </p:clrMapOvr>
-</p:sld>
-</file>
-
-<file path=ppt/slides/slide2.xml><?xml version="1.0" encoding="utf-8"?>
 <p:sld xmlns:a="http://schemas.openxmlformats.org/drawingml/2006/main" xmlns:r="http://schemas.openxmlformats.org/officeDocument/2006/relationships" xmlns:p="http://schemas.openxmlformats.org/presentationml/2006/main">
   <p:cSld>
     <p:spTree>
@@ -6470,7 +5944,7 @@
 </p:sld>
 </file>
 
-<file path=ppt/slides/slide3.xml><?xml version="1.0" encoding="utf-8"?>
+<file path=ppt/slides/slide2.xml><?xml version="1.0" encoding="utf-8"?>
 <p:sld xmlns:a="http://schemas.openxmlformats.org/drawingml/2006/main" xmlns:r="http://schemas.openxmlformats.org/officeDocument/2006/relationships" xmlns:p="http://schemas.openxmlformats.org/presentationml/2006/main">
   <p:cSld>
     <p:spTree>
@@ -6495,7 +5969,7 @@
         </p:nvSpPr>
         <p:spPr>
           <a:xfrm>
-            <a:off x="401292" y="388008"/>
+            <a:off x="1944202" y="988172"/>
             <a:ext cx="3146092" cy="2308324"/>
           </a:xfrm>
           <a:prstGeom prst="rect">
@@ -6510,22 +5984,18 @@
           <a:p>
             <a:r>
               <a:rPr lang="en-US" sz="1200" b="1" dirty="0" smtClean="0"/>
-              <a:t>Level 1 Main Auditorium (Grande </a:t>
-            </a:r>
-            <a:r>
-              <a:rPr lang="en-US" sz="1200" b="1" dirty="0" err="1" smtClean="0"/>
-              <a:t>Auditório</a:t>
-            </a:r>
-            <a:r>
-              <a:rPr lang="en-US" sz="1200" b="1" dirty="0" smtClean="0"/>
-              <a:t>)</a:t>
-            </a:r>
-            <a:endParaRPr lang="en-US" sz="1200" b="1" dirty="0"/>
+              <a:t>Level 1 </a:t>
+            </a:r>
+            <a:endParaRPr lang="en-US" sz="1200" b="1" dirty="0" smtClean="0"/>
           </a:p>
           <a:p>
             <a:r>
               <a:rPr lang="en-US" sz="1200" dirty="0" smtClean="0"/>
-              <a:t>1. Higher </a:t>
+              <a:t>1</a:t>
+            </a:r>
+            <a:r>
+              <a:rPr lang="en-US" sz="1200" dirty="0" smtClean="0"/>
+              <a:t>. Higher </a:t>
             </a:r>
             <a:r>
               <a:rPr lang="en-US" sz="1200" dirty="0"/>
@@ -6747,265 +6217,57 @@
           </a:prstGeom>
         </p:spPr>
       </p:pic>
-      <p:pic>
-        <p:nvPicPr>
-          <p:cNvPr id="25" name="Picture 24"/>
-          <p:cNvPicPr>
-            <a:picLocks noChangeAspect="1"/>
-          </p:cNvPicPr>
-          <p:nvPr/>
-        </p:nvPicPr>
-        <p:blipFill>
-          <a:blip r:embed="rId3"/>
-          <a:stretch>
-            <a:fillRect/>
-          </a:stretch>
-        </p:blipFill>
-        <p:spPr>
-          <a:xfrm>
-            <a:off x="379433" y="4400105"/>
-            <a:ext cx="4667250" cy="1619250"/>
+      <p:sp>
+        <p:nvSpPr>
+          <p:cNvPr id="24" name="TextBox 23"/>
+          <p:cNvSpPr txBox="1"/>
+          <p:nvPr/>
+        </p:nvSpPr>
+        <p:spPr>
+          <a:xfrm>
+            <a:off x="1944202" y="3453269"/>
+            <a:ext cx="1844450" cy="369332"/>
           </a:xfrm>
           <a:prstGeom prst="rect">
             <a:avLst/>
           </a:prstGeom>
-        </p:spPr>
-      </p:pic>
-      <p:cxnSp>
-        <p:nvCxnSpPr>
-          <p:cNvPr id="26" name="Straight Connector 25"/>
-          <p:cNvCxnSpPr/>
-          <p:nvPr/>
-        </p:nvCxnSpPr>
-        <p:spPr>
-          <a:xfrm rot="5400000">
-            <a:off x="2396231" y="4904453"/>
-            <a:ext cx="0" cy="169333"/>
-          </a:xfrm>
-          <a:prstGeom prst="line">
-            <a:avLst/>
-          </a:prstGeom>
-          <a:ln w="38100" cmpd="sng"/>
-        </p:spPr>
-        <p:style>
-          <a:lnRef idx="2">
-            <a:schemeClr val="accent1"/>
-          </a:lnRef>
-          <a:fillRef idx="0">
-            <a:schemeClr val="accent1"/>
-          </a:fillRef>
-          <a:effectRef idx="1">
-            <a:schemeClr val="accent1"/>
-          </a:effectRef>
-          <a:fontRef idx="minor">
-            <a:schemeClr val="tx1"/>
-          </a:fontRef>
-        </p:style>
-      </p:cxnSp>
-      <p:cxnSp>
-        <p:nvCxnSpPr>
-          <p:cNvPr id="27" name="Straight Connector 26"/>
-          <p:cNvCxnSpPr/>
-          <p:nvPr/>
-        </p:nvCxnSpPr>
-        <p:spPr>
-          <a:xfrm rot="5400000">
-            <a:off x="2714965" y="4904453"/>
-            <a:ext cx="0" cy="169333"/>
-          </a:xfrm>
-          <a:prstGeom prst="line">
-            <a:avLst/>
-          </a:prstGeom>
-          <a:ln w="38100" cmpd="sng"/>
-        </p:spPr>
-        <p:style>
-          <a:lnRef idx="2">
-            <a:schemeClr val="accent1"/>
-          </a:lnRef>
-          <a:fillRef idx="0">
-            <a:schemeClr val="accent1"/>
-          </a:fillRef>
-          <a:effectRef idx="1">
-            <a:schemeClr val="accent1"/>
-          </a:effectRef>
-          <a:fontRef idx="minor">
-            <a:schemeClr val="tx1"/>
-          </a:fontRef>
-        </p:style>
-      </p:cxnSp>
-      <p:cxnSp>
-        <p:nvCxnSpPr>
-          <p:cNvPr id="35" name="Straight Connector 34"/>
-          <p:cNvCxnSpPr/>
-          <p:nvPr/>
-        </p:nvCxnSpPr>
-        <p:spPr>
-          <a:xfrm rot="5400000">
-            <a:off x="3033699" y="4904453"/>
-            <a:ext cx="0" cy="169333"/>
-          </a:xfrm>
-          <a:prstGeom prst="line">
-            <a:avLst/>
-          </a:prstGeom>
-          <a:ln w="38100" cmpd="sng"/>
-        </p:spPr>
-        <p:style>
-          <a:lnRef idx="2">
-            <a:schemeClr val="accent1"/>
-          </a:lnRef>
-          <a:fillRef idx="0">
-            <a:schemeClr val="accent1"/>
-          </a:fillRef>
-          <a:effectRef idx="1">
-            <a:schemeClr val="accent1"/>
-          </a:effectRef>
-          <a:fontRef idx="minor">
-            <a:schemeClr val="tx1"/>
-          </a:fontRef>
-        </p:style>
-      </p:cxnSp>
-      <p:cxnSp>
-        <p:nvCxnSpPr>
-          <p:cNvPr id="39" name="Straight Connector 38"/>
-          <p:cNvCxnSpPr/>
-          <p:nvPr/>
-        </p:nvCxnSpPr>
-        <p:spPr>
-          <a:xfrm rot="5400000">
-            <a:off x="3352433" y="4904453"/>
-            <a:ext cx="0" cy="169333"/>
-          </a:xfrm>
-          <a:prstGeom prst="line">
-            <a:avLst/>
-          </a:prstGeom>
-          <a:ln w="38100" cmpd="sng"/>
-        </p:spPr>
-        <p:style>
-          <a:lnRef idx="2">
-            <a:schemeClr val="accent1"/>
-          </a:lnRef>
-          <a:fillRef idx="0">
-            <a:schemeClr val="accent1"/>
-          </a:fillRef>
-          <a:effectRef idx="1">
-            <a:schemeClr val="accent1"/>
-          </a:effectRef>
-          <a:fontRef idx="minor">
-            <a:schemeClr val="tx1"/>
-          </a:fontRef>
-        </p:style>
-      </p:cxnSp>
-      <p:cxnSp>
-        <p:nvCxnSpPr>
-          <p:cNvPr id="40" name="Straight Connector 39"/>
-          <p:cNvCxnSpPr/>
-          <p:nvPr/>
-        </p:nvCxnSpPr>
-        <p:spPr>
-          <a:xfrm rot="5400000">
-            <a:off x="3671167" y="4904453"/>
-            <a:ext cx="0" cy="169333"/>
-          </a:xfrm>
-          <a:prstGeom prst="line">
-            <a:avLst/>
-          </a:prstGeom>
-          <a:ln w="38100" cmpd="sng"/>
-        </p:spPr>
-        <p:style>
-          <a:lnRef idx="2">
-            <a:schemeClr val="accent1"/>
-          </a:lnRef>
-          <a:fillRef idx="0">
-            <a:schemeClr val="accent1"/>
-          </a:fillRef>
-          <a:effectRef idx="1">
-            <a:schemeClr val="accent1"/>
-          </a:effectRef>
-          <a:fontRef idx="minor">
-            <a:schemeClr val="tx1"/>
-          </a:fontRef>
-        </p:style>
-      </p:cxnSp>
-      <p:cxnSp>
-        <p:nvCxnSpPr>
-          <p:cNvPr id="41" name="Straight Connector 40"/>
-          <p:cNvCxnSpPr/>
-          <p:nvPr/>
-        </p:nvCxnSpPr>
-        <p:spPr>
-          <a:xfrm rot="5400000">
-            <a:off x="3989901" y="4904453"/>
-            <a:ext cx="0" cy="169333"/>
-          </a:xfrm>
-          <a:prstGeom prst="line">
-            <a:avLst/>
-          </a:prstGeom>
-          <a:ln w="38100" cmpd="sng"/>
-        </p:spPr>
-        <p:style>
-          <a:lnRef idx="2">
-            <a:schemeClr val="accent1"/>
-          </a:lnRef>
-          <a:fillRef idx="0">
-            <a:schemeClr val="accent1"/>
-          </a:fillRef>
-          <a:effectRef idx="1">
-            <a:schemeClr val="accent1"/>
-          </a:effectRef>
-          <a:fontRef idx="minor">
-            <a:schemeClr val="tx1"/>
-          </a:fontRef>
-        </p:style>
-      </p:cxnSp>
-      <p:cxnSp>
-        <p:nvCxnSpPr>
-          <p:cNvPr id="42" name="Straight Connector 41"/>
-          <p:cNvCxnSpPr/>
-          <p:nvPr/>
-        </p:nvCxnSpPr>
-        <p:spPr>
-          <a:xfrm rot="5400000">
-            <a:off x="4308635" y="4904453"/>
-            <a:ext cx="0" cy="169333"/>
-          </a:xfrm>
-          <a:prstGeom prst="line">
-            <a:avLst/>
-          </a:prstGeom>
-          <a:ln w="38100" cmpd="sng"/>
-        </p:spPr>
-        <p:style>
-          <a:lnRef idx="2">
-            <a:schemeClr val="accent1"/>
-          </a:lnRef>
-          <a:fillRef idx="0">
-            <a:schemeClr val="accent1"/>
-          </a:fillRef>
-          <a:effectRef idx="1">
-            <a:schemeClr val="accent1"/>
-          </a:effectRef>
-          <a:fontRef idx="minor">
-            <a:schemeClr val="tx1"/>
-          </a:fontRef>
-        </p:style>
-      </p:cxnSp>
-      <p:sp>
-        <p:nvSpPr>
-          <p:cNvPr id="44" name="Rectangle 43"/>
+          <a:noFill/>
+        </p:spPr>
+        <p:txBody>
+          <a:bodyPr wrap="none" rtlCol="0">
+            <a:spAutoFit/>
+          </a:bodyPr>
+          <a:lstStyle/>
+          <a:p>
+            <a:r>
+              <a:rPr lang="en-US" dirty="0" smtClean="0"/>
+              <a:t>Sponsor locations</a:t>
+            </a:r>
+          </a:p>
+        </p:txBody>
+      </p:sp>
+      <p:sp>
+        <p:nvSpPr>
+          <p:cNvPr id="28" name="Rectangle 27"/>
           <p:cNvSpPr/>
           <p:nvPr/>
         </p:nvSpPr>
         <p:spPr>
           <a:xfrm>
-            <a:off x="6572040" y="4549330"/>
-            <a:ext cx="1854200" cy="660400"/>
+            <a:off x="2119135" y="3951155"/>
+            <a:ext cx="288098" cy="147559"/>
           </a:xfrm>
           <a:prstGeom prst="rect">
             <a:avLst/>
           </a:prstGeom>
-          <a:noFill/>
-          <a:ln>
+          <a:solidFill>
+            <a:schemeClr val="accent6"/>
+          </a:solidFill>
+          <a:ln w="12700" cmpd="sng">
             <a:solidFill>
-              <a:srgbClr val="FF0000"/>
+              <a:schemeClr val="accent6">
+                <a:lumMod val="50000"/>
+              </a:schemeClr>
             </a:solidFill>
           </a:ln>
         </p:spPr>
@@ -7028,370 +6290,38 @@
           <a:lstStyle/>
           <a:p>
             <a:pPr algn="ctr"/>
-            <a:endParaRPr lang="en-US"/>
-          </a:p>
-        </p:txBody>
-      </p:sp>
-      <p:grpSp>
-        <p:nvGrpSpPr>
-          <p:cNvPr id="45" name="Group 44"/>
-          <p:cNvGrpSpPr/>
-          <p:nvPr/>
-        </p:nvGrpSpPr>
-        <p:grpSpPr>
-          <a:xfrm>
-            <a:off x="7381387" y="4791874"/>
-            <a:ext cx="849022" cy="0"/>
-            <a:chOff x="7294813" y="4010211"/>
-            <a:chExt cx="849022" cy="0"/>
-          </a:xfrm>
-        </p:grpSpPr>
-        <p:cxnSp>
-          <p:nvCxnSpPr>
-            <p:cNvPr id="46" name="Straight Connector 45"/>
-            <p:cNvCxnSpPr/>
-            <p:nvPr/>
-          </p:nvCxnSpPr>
-          <p:spPr>
-            <a:xfrm rot="5400000">
-              <a:off x="7329344" y="3975680"/>
-              <a:ext cx="0" cy="69061"/>
-            </a:xfrm>
-            <a:prstGeom prst="line">
-              <a:avLst/>
-            </a:prstGeom>
-            <a:ln w="38100" cmpd="sng"/>
-          </p:spPr>
-          <p:style>
-            <a:lnRef idx="2">
-              <a:schemeClr val="accent1"/>
-            </a:lnRef>
-            <a:fillRef idx="0">
-              <a:schemeClr val="accent1"/>
-            </a:fillRef>
-            <a:effectRef idx="1">
-              <a:schemeClr val="accent1"/>
-            </a:effectRef>
-            <a:fontRef idx="minor">
-              <a:schemeClr val="tx1"/>
-            </a:fontRef>
-          </p:style>
-        </p:cxnSp>
-        <p:cxnSp>
-          <p:nvCxnSpPr>
-            <p:cNvPr id="47" name="Straight Connector 46"/>
-            <p:cNvCxnSpPr/>
-            <p:nvPr/>
-          </p:nvCxnSpPr>
-          <p:spPr>
-            <a:xfrm rot="5400000">
-              <a:off x="7459338" y="3975680"/>
-              <a:ext cx="0" cy="69061"/>
-            </a:xfrm>
-            <a:prstGeom prst="line">
-              <a:avLst/>
-            </a:prstGeom>
-            <a:ln w="38100" cmpd="sng"/>
-          </p:spPr>
-          <p:style>
-            <a:lnRef idx="2">
-              <a:schemeClr val="accent1"/>
-            </a:lnRef>
-            <a:fillRef idx="0">
-              <a:schemeClr val="accent1"/>
-            </a:fillRef>
-            <a:effectRef idx="1">
-              <a:schemeClr val="accent1"/>
-            </a:effectRef>
-            <a:fontRef idx="minor">
-              <a:schemeClr val="tx1"/>
-            </a:fontRef>
-          </p:style>
-        </p:cxnSp>
-        <p:cxnSp>
-          <p:nvCxnSpPr>
-            <p:cNvPr id="48" name="Straight Connector 47"/>
-            <p:cNvCxnSpPr/>
-            <p:nvPr/>
-          </p:nvCxnSpPr>
-          <p:spPr>
-            <a:xfrm rot="5400000">
-              <a:off x="7589331" y="3975680"/>
-              <a:ext cx="0" cy="69061"/>
-            </a:xfrm>
-            <a:prstGeom prst="line">
-              <a:avLst/>
-            </a:prstGeom>
-            <a:ln w="38100" cmpd="sng"/>
-          </p:spPr>
-          <p:style>
-            <a:lnRef idx="2">
-              <a:schemeClr val="accent1"/>
-            </a:lnRef>
-            <a:fillRef idx="0">
-              <a:schemeClr val="accent1"/>
-            </a:fillRef>
-            <a:effectRef idx="1">
-              <a:schemeClr val="accent1"/>
-            </a:effectRef>
-            <a:fontRef idx="minor">
-              <a:schemeClr val="tx1"/>
-            </a:fontRef>
-          </p:style>
-        </p:cxnSp>
-        <p:cxnSp>
-          <p:nvCxnSpPr>
-            <p:cNvPr id="49" name="Straight Connector 48"/>
-            <p:cNvCxnSpPr/>
-            <p:nvPr/>
-          </p:nvCxnSpPr>
-          <p:spPr>
-            <a:xfrm rot="5400000">
-              <a:off x="7719324" y="3975680"/>
-              <a:ext cx="0" cy="69061"/>
-            </a:xfrm>
-            <a:prstGeom prst="line">
-              <a:avLst/>
-            </a:prstGeom>
-            <a:ln w="38100" cmpd="sng"/>
-          </p:spPr>
-          <p:style>
-            <a:lnRef idx="2">
-              <a:schemeClr val="accent1"/>
-            </a:lnRef>
-            <a:fillRef idx="0">
-              <a:schemeClr val="accent1"/>
-            </a:fillRef>
-            <a:effectRef idx="1">
-              <a:schemeClr val="accent1"/>
-            </a:effectRef>
-            <a:fontRef idx="minor">
-              <a:schemeClr val="tx1"/>
-            </a:fontRef>
-          </p:style>
-        </p:cxnSp>
-        <p:cxnSp>
-          <p:nvCxnSpPr>
-            <p:cNvPr id="50" name="Straight Connector 49"/>
-            <p:cNvCxnSpPr/>
-            <p:nvPr/>
-          </p:nvCxnSpPr>
-          <p:spPr>
-            <a:xfrm rot="5400000">
-              <a:off x="7849318" y="3975680"/>
-              <a:ext cx="0" cy="69061"/>
-            </a:xfrm>
-            <a:prstGeom prst="line">
-              <a:avLst/>
-            </a:prstGeom>
-            <a:ln w="38100" cmpd="sng"/>
-          </p:spPr>
-          <p:style>
-            <a:lnRef idx="2">
-              <a:schemeClr val="accent1"/>
-            </a:lnRef>
-            <a:fillRef idx="0">
-              <a:schemeClr val="accent1"/>
-            </a:fillRef>
-            <a:effectRef idx="1">
-              <a:schemeClr val="accent1"/>
-            </a:effectRef>
-            <a:fontRef idx="minor">
-              <a:schemeClr val="tx1"/>
-            </a:fontRef>
-          </p:style>
-        </p:cxnSp>
-        <p:cxnSp>
-          <p:nvCxnSpPr>
-            <p:cNvPr id="51" name="Straight Connector 50"/>
-            <p:cNvCxnSpPr/>
-            <p:nvPr/>
-          </p:nvCxnSpPr>
-          <p:spPr>
-            <a:xfrm rot="5400000">
-              <a:off x="7979311" y="3975680"/>
-              <a:ext cx="0" cy="69061"/>
-            </a:xfrm>
-            <a:prstGeom prst="line">
-              <a:avLst/>
-            </a:prstGeom>
-            <a:ln w="38100" cmpd="sng"/>
-          </p:spPr>
-          <p:style>
-            <a:lnRef idx="2">
-              <a:schemeClr val="accent1"/>
-            </a:lnRef>
-            <a:fillRef idx="0">
-              <a:schemeClr val="accent1"/>
-            </a:fillRef>
-            <a:effectRef idx="1">
-              <a:schemeClr val="accent1"/>
-            </a:effectRef>
-            <a:fontRef idx="minor">
-              <a:schemeClr val="tx1"/>
-            </a:fontRef>
-          </p:style>
-        </p:cxnSp>
-        <p:cxnSp>
-          <p:nvCxnSpPr>
-            <p:cNvPr id="52" name="Straight Connector 51"/>
-            <p:cNvCxnSpPr/>
-            <p:nvPr/>
-          </p:nvCxnSpPr>
-          <p:spPr>
-            <a:xfrm rot="5400000">
-              <a:off x="8109305" y="3975680"/>
-              <a:ext cx="0" cy="69061"/>
-            </a:xfrm>
-            <a:prstGeom prst="line">
-              <a:avLst/>
-            </a:prstGeom>
-            <a:ln w="38100" cmpd="sng"/>
-          </p:spPr>
-          <p:style>
-            <a:lnRef idx="2">
-              <a:schemeClr val="accent1"/>
-            </a:lnRef>
-            <a:fillRef idx="0">
-              <a:schemeClr val="accent1"/>
-            </a:fillRef>
-            <a:effectRef idx="1">
-              <a:schemeClr val="accent1"/>
-            </a:effectRef>
-            <a:fontRef idx="minor">
-              <a:schemeClr val="tx1"/>
-            </a:fontRef>
-          </p:style>
-        </p:cxnSp>
-      </p:grpSp>
-      <p:sp>
-        <p:nvSpPr>
-          <p:cNvPr id="53" name="TextBox 52"/>
-          <p:cNvSpPr txBox="1"/>
-          <p:nvPr/>
-        </p:nvSpPr>
-        <p:spPr>
-          <a:xfrm>
-            <a:off x="1792560" y="3863374"/>
-            <a:ext cx="1685528" cy="369332"/>
+            <a:endParaRPr lang="en-US">
+              <a:ln w="3175" cmpd="sng">
+                <a:solidFill>
+                  <a:srgbClr val="000000"/>
+                </a:solidFill>
+              </a:ln>
+            </a:endParaRPr>
+          </a:p>
+        </p:txBody>
+      </p:sp>
+      <p:sp>
+        <p:nvSpPr>
+          <p:cNvPr id="29" name="Rectangle 28"/>
+          <p:cNvSpPr/>
+          <p:nvPr/>
+        </p:nvSpPr>
+        <p:spPr>
+          <a:xfrm>
+            <a:off x="2119133" y="4229271"/>
+            <a:ext cx="288099" cy="124664"/>
           </a:xfrm>
           <a:prstGeom prst="rect">
             <a:avLst/>
           </a:prstGeom>
-          <a:noFill/>
-        </p:spPr>
-        <p:txBody>
-          <a:bodyPr wrap="none" rtlCol="0">
-            <a:spAutoFit/>
-          </a:bodyPr>
-          <a:lstStyle/>
-          <a:p>
-            <a:pPr algn="ctr"/>
-            <a:r>
-              <a:rPr lang="en-US" dirty="0" smtClean="0"/>
-              <a:t>Poster locations</a:t>
-            </a:r>
-            <a:endParaRPr lang="en-US" dirty="0"/>
-          </a:p>
-        </p:txBody>
-      </p:sp>
-      <p:cxnSp>
-        <p:nvCxnSpPr>
-          <p:cNvPr id="54" name="Straight Connector 53"/>
-          <p:cNvCxnSpPr/>
-          <p:nvPr/>
-        </p:nvCxnSpPr>
-        <p:spPr>
-          <a:xfrm flipH="1">
-            <a:off x="1749812" y="4666780"/>
-            <a:ext cx="3029661" cy="0"/>
-          </a:xfrm>
-          <a:prstGeom prst="line">
-            <a:avLst/>
-          </a:prstGeom>
-          <a:ln w="3175" cmpd="sng">
+          <a:solidFill>
+            <a:srgbClr val="FDEADA"/>
+          </a:solidFill>
+          <a:ln w="12700" cmpd="sng">
             <a:solidFill>
-              <a:srgbClr val="FF0000"/>
-            </a:solidFill>
-            <a:headEnd type="arrow"/>
-            <a:tailEnd type="arrow"/>
-          </a:ln>
-        </p:spPr>
-        <p:style>
-          <a:lnRef idx="2">
-            <a:schemeClr val="accent1"/>
-          </a:lnRef>
-          <a:fillRef idx="0">
-            <a:schemeClr val="accent1"/>
-          </a:fillRef>
-          <a:effectRef idx="1">
-            <a:schemeClr val="accent1"/>
-          </a:effectRef>
-          <a:fontRef idx="minor">
-            <a:schemeClr val="tx1"/>
-          </a:fontRef>
-        </p:style>
-      </p:cxnSp>
-      <p:sp>
-        <p:nvSpPr>
-          <p:cNvPr id="55" name="TextBox 54"/>
-          <p:cNvSpPr txBox="1"/>
-          <p:nvPr/>
-        </p:nvSpPr>
-        <p:spPr>
-          <a:xfrm>
-            <a:off x="2832138" y="4585147"/>
-            <a:ext cx="916612" cy="276999"/>
-          </a:xfrm>
-          <a:prstGeom prst="rect">
-            <a:avLst/>
-          </a:prstGeom>
-          <a:noFill/>
-        </p:spPr>
-        <p:txBody>
-          <a:bodyPr wrap="none" rtlCol="0">
-            <a:spAutoFit/>
-          </a:bodyPr>
-          <a:lstStyle/>
-          <a:p>
-            <a:r>
-              <a:rPr lang="en-US" sz="1200" dirty="0" smtClean="0">
-                <a:solidFill>
-                  <a:srgbClr val="FF0000"/>
-                </a:solidFill>
-              </a:rPr>
-              <a:t>About 16 m</a:t>
-            </a:r>
-            <a:endParaRPr lang="en-US" sz="1200" dirty="0">
-              <a:solidFill>
-                <a:srgbClr val="FF0000"/>
-              </a:solidFill>
-            </a:endParaRPr>
-          </a:p>
-        </p:txBody>
-      </p:sp>
-      <p:sp>
-        <p:nvSpPr>
-          <p:cNvPr id="56" name="Oval 55"/>
-          <p:cNvSpPr>
-            <a:spLocks noChangeAspect="1"/>
-          </p:cNvSpPr>
-          <p:nvPr/>
-        </p:nvSpPr>
-        <p:spPr>
-          <a:xfrm>
-            <a:off x="5616394" y="1752388"/>
-            <a:ext cx="216000" cy="216000"/>
-          </a:xfrm>
-          <a:prstGeom prst="ellipse">
-            <a:avLst/>
-          </a:prstGeom>
-          <a:solidFill>
-            <a:srgbClr val="FF0000"/>
-          </a:solidFill>
-          <a:ln>
-            <a:solidFill>
-              <a:srgbClr val="FF0000"/>
+              <a:schemeClr val="accent6">
+                <a:lumMod val="50000"/>
+              </a:schemeClr>
             </a:solidFill>
           </a:ln>
         </p:spPr>
@@ -7410,766 +6340,6 @@
           </a:fontRef>
         </p:style>
         <p:txBody>
-          <a:bodyPr wrap="none" lIns="0" tIns="0" rIns="0" bIns="18000" rtlCol="0" anchor="ctr"/>
-          <a:lstStyle/>
-          <a:p>
-            <a:pPr algn="ctr"/>
-            <a:r>
-              <a:rPr lang="en-US" sz="1200" dirty="0" smtClean="0">
-                <a:solidFill>
-                  <a:schemeClr val="bg1"/>
-                </a:solidFill>
-                <a:latin typeface="Arial"/>
-                <a:cs typeface="Arial"/>
-              </a:rPr>
-              <a:t>6</a:t>
-            </a:r>
-            <a:endParaRPr lang="en-US" sz="1200" dirty="0">
-              <a:solidFill>
-                <a:schemeClr val="bg1"/>
-              </a:solidFill>
-              <a:latin typeface="Arial"/>
-              <a:cs typeface="Arial"/>
-            </a:endParaRPr>
-          </a:p>
-        </p:txBody>
-      </p:sp>
-      <p:sp>
-        <p:nvSpPr>
-          <p:cNvPr id="57" name="Oval 56"/>
-          <p:cNvSpPr>
-            <a:spLocks noChangeAspect="1"/>
-          </p:cNvSpPr>
-          <p:nvPr/>
-        </p:nvSpPr>
-        <p:spPr>
-          <a:xfrm>
-            <a:off x="5616394" y="2343580"/>
-            <a:ext cx="216000" cy="216000"/>
-          </a:xfrm>
-          <a:prstGeom prst="ellipse">
-            <a:avLst/>
-          </a:prstGeom>
-          <a:solidFill>
-            <a:srgbClr val="FF0000"/>
-          </a:solidFill>
-          <a:ln>
-            <a:solidFill>
-              <a:srgbClr val="FF0000"/>
-            </a:solidFill>
-          </a:ln>
-        </p:spPr>
-        <p:style>
-          <a:lnRef idx="2">
-            <a:schemeClr val="accent2"/>
-          </a:lnRef>
-          <a:fillRef idx="1">
-            <a:schemeClr val="lt1"/>
-          </a:fillRef>
-          <a:effectRef idx="0">
-            <a:schemeClr val="accent2"/>
-          </a:effectRef>
-          <a:fontRef idx="minor">
-            <a:schemeClr val="dk1"/>
-          </a:fontRef>
-        </p:style>
-        <p:txBody>
-          <a:bodyPr wrap="none" lIns="0" tIns="0" rIns="0" bIns="18000" rtlCol="0" anchor="ctr"/>
-          <a:lstStyle/>
-          <a:p>
-            <a:pPr algn="ctr"/>
-            <a:r>
-              <a:rPr lang="en-US" sz="1200" dirty="0">
-                <a:solidFill>
-                  <a:schemeClr val="bg1"/>
-                </a:solidFill>
-                <a:latin typeface="Arial"/>
-                <a:cs typeface="Arial"/>
-              </a:rPr>
-              <a:t>5</a:t>
-            </a:r>
-          </a:p>
-        </p:txBody>
-      </p:sp>
-      <p:sp>
-        <p:nvSpPr>
-          <p:cNvPr id="58" name="Oval 57"/>
-          <p:cNvSpPr>
-            <a:spLocks noChangeAspect="1"/>
-          </p:cNvSpPr>
-          <p:nvPr/>
-        </p:nvSpPr>
-        <p:spPr>
-          <a:xfrm>
-            <a:off x="5526394" y="2971265"/>
-            <a:ext cx="216000" cy="216000"/>
-          </a:xfrm>
-          <a:prstGeom prst="ellipse">
-            <a:avLst/>
-          </a:prstGeom>
-          <a:solidFill>
-            <a:srgbClr val="FF0000"/>
-          </a:solidFill>
-          <a:ln>
-            <a:solidFill>
-              <a:srgbClr val="FF0000"/>
-            </a:solidFill>
-          </a:ln>
-        </p:spPr>
-        <p:style>
-          <a:lnRef idx="2">
-            <a:schemeClr val="accent2"/>
-          </a:lnRef>
-          <a:fillRef idx="1">
-            <a:schemeClr val="lt1"/>
-          </a:fillRef>
-          <a:effectRef idx="0">
-            <a:schemeClr val="accent2"/>
-          </a:effectRef>
-          <a:fontRef idx="minor">
-            <a:schemeClr val="dk1"/>
-          </a:fontRef>
-        </p:style>
-        <p:txBody>
-          <a:bodyPr wrap="none" lIns="0" tIns="0" rIns="0" bIns="18000" rtlCol="0" anchor="ctr"/>
-          <a:lstStyle/>
-          <a:p>
-            <a:pPr algn="ctr"/>
-            <a:r>
-              <a:rPr lang="en-US" sz="1200" dirty="0" smtClean="0">
-                <a:solidFill>
-                  <a:schemeClr val="bg1"/>
-                </a:solidFill>
-                <a:latin typeface="Arial"/>
-                <a:cs typeface="Arial"/>
-              </a:rPr>
-              <a:t>2</a:t>
-            </a:r>
-            <a:endParaRPr lang="en-US" sz="1200" dirty="0">
-              <a:solidFill>
-                <a:schemeClr val="bg1"/>
-              </a:solidFill>
-              <a:latin typeface="Arial"/>
-              <a:cs typeface="Arial"/>
-            </a:endParaRPr>
-          </a:p>
-        </p:txBody>
-      </p:sp>
-      <p:sp>
-        <p:nvSpPr>
-          <p:cNvPr id="59" name="Oval 58"/>
-          <p:cNvSpPr>
-            <a:spLocks noChangeAspect="1"/>
-          </p:cNvSpPr>
-          <p:nvPr/>
-        </p:nvSpPr>
-        <p:spPr>
-          <a:xfrm>
-            <a:off x="5616394" y="3547859"/>
-            <a:ext cx="216000" cy="216000"/>
-          </a:xfrm>
-          <a:prstGeom prst="ellipse">
-            <a:avLst/>
-          </a:prstGeom>
-          <a:solidFill>
-            <a:srgbClr val="FF0000"/>
-          </a:solidFill>
-          <a:ln>
-            <a:solidFill>
-              <a:srgbClr val="FF0000"/>
-            </a:solidFill>
-          </a:ln>
-        </p:spPr>
-        <p:style>
-          <a:lnRef idx="2">
-            <a:schemeClr val="accent2"/>
-          </a:lnRef>
-          <a:fillRef idx="1">
-            <a:schemeClr val="lt1"/>
-          </a:fillRef>
-          <a:effectRef idx="0">
-            <a:schemeClr val="accent2"/>
-          </a:effectRef>
-          <a:fontRef idx="minor">
-            <a:schemeClr val="dk1"/>
-          </a:fontRef>
-        </p:style>
-        <p:txBody>
-          <a:bodyPr wrap="none" lIns="0" tIns="0" rIns="0" bIns="18000" rtlCol="0" anchor="ctr"/>
-          <a:lstStyle/>
-          <a:p>
-            <a:pPr algn="ctr"/>
-            <a:r>
-              <a:rPr lang="en-US" sz="1200" dirty="0" smtClean="0">
-                <a:solidFill>
-                  <a:schemeClr val="bg1"/>
-                </a:solidFill>
-                <a:latin typeface="Arial"/>
-                <a:cs typeface="Arial"/>
-              </a:rPr>
-              <a:t>4</a:t>
-            </a:r>
-            <a:endParaRPr lang="en-US" sz="1200" dirty="0">
-              <a:solidFill>
-                <a:schemeClr val="bg1"/>
-              </a:solidFill>
-              <a:latin typeface="Arial"/>
-              <a:cs typeface="Arial"/>
-            </a:endParaRPr>
-          </a:p>
-        </p:txBody>
-      </p:sp>
-      <p:sp>
-        <p:nvSpPr>
-          <p:cNvPr id="60" name="Oval 59"/>
-          <p:cNvSpPr>
-            <a:spLocks noChangeAspect="1"/>
-          </p:cNvSpPr>
-          <p:nvPr/>
-        </p:nvSpPr>
-        <p:spPr>
-          <a:xfrm>
-            <a:off x="5665953" y="4087446"/>
-            <a:ext cx="216000" cy="216000"/>
-          </a:xfrm>
-          <a:prstGeom prst="ellipse">
-            <a:avLst/>
-          </a:prstGeom>
-          <a:solidFill>
-            <a:srgbClr val="FF0000"/>
-          </a:solidFill>
-          <a:ln>
-            <a:solidFill>
-              <a:srgbClr val="FF0000"/>
-            </a:solidFill>
-          </a:ln>
-        </p:spPr>
-        <p:style>
-          <a:lnRef idx="2">
-            <a:schemeClr val="accent2"/>
-          </a:lnRef>
-          <a:fillRef idx="1">
-            <a:schemeClr val="lt1"/>
-          </a:fillRef>
-          <a:effectRef idx="0">
-            <a:schemeClr val="accent2"/>
-          </a:effectRef>
-          <a:fontRef idx="minor">
-            <a:schemeClr val="dk1"/>
-          </a:fontRef>
-        </p:style>
-        <p:txBody>
-          <a:bodyPr wrap="none" lIns="0" tIns="0" rIns="0" bIns="18000" rtlCol="0" anchor="ctr"/>
-          <a:lstStyle/>
-          <a:p>
-            <a:pPr algn="ctr"/>
-            <a:r>
-              <a:rPr lang="en-US" sz="1200" dirty="0" smtClean="0">
-                <a:solidFill>
-                  <a:schemeClr val="bg1"/>
-                </a:solidFill>
-                <a:latin typeface="Arial"/>
-                <a:cs typeface="Arial"/>
-              </a:rPr>
-              <a:t>10</a:t>
-            </a:r>
-            <a:endParaRPr lang="en-US" sz="1200" dirty="0">
-              <a:solidFill>
-                <a:schemeClr val="bg1"/>
-              </a:solidFill>
-              <a:latin typeface="Arial"/>
-              <a:cs typeface="Arial"/>
-            </a:endParaRPr>
-          </a:p>
-        </p:txBody>
-      </p:sp>
-      <p:sp>
-        <p:nvSpPr>
-          <p:cNvPr id="61" name="Oval 60"/>
-          <p:cNvSpPr>
-            <a:spLocks noChangeAspect="1"/>
-          </p:cNvSpPr>
-          <p:nvPr/>
-        </p:nvSpPr>
-        <p:spPr>
-          <a:xfrm>
-            <a:off x="5665953" y="4679878"/>
-            <a:ext cx="216000" cy="216000"/>
-          </a:xfrm>
-          <a:prstGeom prst="ellipse">
-            <a:avLst/>
-          </a:prstGeom>
-          <a:solidFill>
-            <a:srgbClr val="FF0000"/>
-          </a:solidFill>
-          <a:ln>
-            <a:solidFill>
-              <a:srgbClr val="FF0000"/>
-            </a:solidFill>
-          </a:ln>
-        </p:spPr>
-        <p:style>
-          <a:lnRef idx="2">
-            <a:schemeClr val="accent2"/>
-          </a:lnRef>
-          <a:fillRef idx="1">
-            <a:schemeClr val="lt1"/>
-          </a:fillRef>
-          <a:effectRef idx="0">
-            <a:schemeClr val="accent2"/>
-          </a:effectRef>
-          <a:fontRef idx="minor">
-            <a:schemeClr val="dk1"/>
-          </a:fontRef>
-        </p:style>
-        <p:txBody>
-          <a:bodyPr wrap="none" lIns="0" tIns="0" rIns="0" bIns="18000" rtlCol="0" anchor="ctr"/>
-          <a:lstStyle/>
-          <a:p>
-            <a:pPr algn="ctr"/>
-            <a:r>
-              <a:rPr lang="en-US" sz="1200" dirty="0">
-                <a:solidFill>
-                  <a:schemeClr val="bg1"/>
-                </a:solidFill>
-                <a:latin typeface="Arial"/>
-                <a:cs typeface="Arial"/>
-              </a:rPr>
-              <a:t>3</a:t>
-            </a:r>
-          </a:p>
-        </p:txBody>
-      </p:sp>
-      <p:sp>
-        <p:nvSpPr>
-          <p:cNvPr id="62" name="Oval 61"/>
-          <p:cNvSpPr>
-            <a:spLocks noChangeAspect="1"/>
-          </p:cNvSpPr>
-          <p:nvPr/>
-        </p:nvSpPr>
-        <p:spPr>
-          <a:xfrm>
-            <a:off x="6308277" y="3028629"/>
-            <a:ext cx="216000" cy="216000"/>
-          </a:xfrm>
-          <a:prstGeom prst="ellipse">
-            <a:avLst/>
-          </a:prstGeom>
-          <a:solidFill>
-            <a:srgbClr val="FF0000"/>
-          </a:solidFill>
-          <a:ln>
-            <a:solidFill>
-              <a:srgbClr val="FF0000"/>
-            </a:solidFill>
-          </a:ln>
-        </p:spPr>
-        <p:style>
-          <a:lnRef idx="2">
-            <a:schemeClr val="accent2"/>
-          </a:lnRef>
-          <a:fillRef idx="1">
-            <a:schemeClr val="lt1"/>
-          </a:fillRef>
-          <a:effectRef idx="0">
-            <a:schemeClr val="accent2"/>
-          </a:effectRef>
-          <a:fontRef idx="minor">
-            <a:schemeClr val="dk1"/>
-          </a:fontRef>
-        </p:style>
-        <p:txBody>
-          <a:bodyPr wrap="none" lIns="0" tIns="0" rIns="0" bIns="18000" rtlCol="0" anchor="ctr"/>
-          <a:lstStyle/>
-          <a:p>
-            <a:pPr algn="ctr"/>
-            <a:r>
-              <a:rPr lang="en-US" sz="1200" dirty="0" smtClean="0">
-                <a:solidFill>
-                  <a:schemeClr val="bg1"/>
-                </a:solidFill>
-                <a:latin typeface="Arial"/>
-                <a:cs typeface="Arial"/>
-              </a:rPr>
-              <a:t>1</a:t>
-            </a:r>
-            <a:endParaRPr lang="en-US" sz="1200" dirty="0">
-              <a:solidFill>
-                <a:schemeClr val="bg1"/>
-              </a:solidFill>
-              <a:latin typeface="Arial"/>
-              <a:cs typeface="Arial"/>
-            </a:endParaRPr>
-          </a:p>
-        </p:txBody>
-      </p:sp>
-    </p:spTree>
-    <p:extLst>
-      <p:ext uri="{BB962C8B-B14F-4D97-AF65-F5344CB8AC3E}">
-        <p14:creationId xmlns:p14="http://schemas.microsoft.com/office/powerpoint/2010/main" val="2354881665"/>
-      </p:ext>
-    </p:extLst>
-  </p:cSld>
-  <p:clrMapOvr>
-    <a:masterClrMapping/>
-  </p:clrMapOvr>
-  <p:timing>
-    <p:tnLst>
-      <p:par>
-        <p:cTn xmlns:p14="http://schemas.microsoft.com/office/powerpoint/2010/main" id="1" dur="indefinite" restart="never" nodeType="tmRoot"/>
-      </p:par>
-    </p:tnLst>
-  </p:timing>
-</p:sld>
-</file>
-
-<file path=ppt/slides/slide4.xml><?xml version="1.0" encoding="utf-8"?>
-<p:sld xmlns:a="http://schemas.openxmlformats.org/drawingml/2006/main" xmlns:r="http://schemas.openxmlformats.org/officeDocument/2006/relationships" xmlns:p="http://schemas.openxmlformats.org/presentationml/2006/main">
-  <p:cSld>
-    <p:spTree>
-      <p:nvGrpSpPr>
-        <p:cNvPr id="1" name=""/>
-        <p:cNvGrpSpPr/>
-        <p:nvPr/>
-      </p:nvGrpSpPr>
-      <p:grpSpPr>
-        <a:xfrm>
-          <a:off x="0" y="0"/>
-          <a:ext cx="0" cy="0"/>
-          <a:chOff x="0" y="0"/>
-          <a:chExt cx="0" cy="0"/>
-        </a:xfrm>
-      </p:grpSpPr>
-      <p:sp>
-        <p:nvSpPr>
-          <p:cNvPr id="23" name="Rectangle 22"/>
-          <p:cNvSpPr/>
-          <p:nvPr/>
-        </p:nvSpPr>
-        <p:spPr>
-          <a:xfrm>
-            <a:off x="401292" y="388008"/>
-            <a:ext cx="3146092" cy="2308324"/>
-          </a:xfrm>
-          <a:prstGeom prst="rect">
-            <a:avLst/>
-          </a:prstGeom>
-        </p:spPr>
-        <p:txBody>
-          <a:bodyPr wrap="square">
-            <a:spAutoFit/>
-          </a:bodyPr>
-          <a:lstStyle/>
-          <a:p>
-            <a:r>
-              <a:rPr lang="en-US" sz="1200" b="1" dirty="0" smtClean="0"/>
-              <a:t>Level 1 Main Auditorium (Grande </a:t>
-            </a:r>
-            <a:r>
-              <a:rPr lang="en-US" sz="1200" b="1" dirty="0" err="1" smtClean="0"/>
-              <a:t>Auditório</a:t>
-            </a:r>
-            <a:r>
-              <a:rPr lang="en-US" sz="1200" b="1" dirty="0" smtClean="0"/>
-              <a:t>)</a:t>
-            </a:r>
-            <a:endParaRPr lang="en-US" sz="1200" b="1" dirty="0"/>
-          </a:p>
-          <a:p>
-            <a:r>
-              <a:rPr lang="en-US" sz="1200" dirty="0" smtClean="0"/>
-              <a:t>1. Higher </a:t>
-            </a:r>
-            <a:r>
-              <a:rPr lang="en-US" sz="1200" dirty="0"/>
-              <a:t>level foyer </a:t>
-            </a:r>
-            <a:r>
-              <a:rPr lang="en-US" sz="1200" dirty="0" smtClean="0"/>
-              <a:t>(</a:t>
-            </a:r>
-            <a:r>
-              <a:rPr lang="en-US" sz="1200" dirty="0"/>
-              <a:t>Foyer </a:t>
-            </a:r>
-            <a:r>
-              <a:rPr lang="en-US" sz="1200" dirty="0" smtClean="0"/>
-              <a:t>Superior)</a:t>
-            </a:r>
-            <a:endParaRPr lang="en-US" sz="1200" dirty="0"/>
-          </a:p>
-          <a:p>
-            <a:r>
-              <a:rPr lang="en-US" sz="1200" dirty="0" smtClean="0"/>
-              <a:t>2. Lower </a:t>
-            </a:r>
-            <a:r>
-              <a:rPr lang="en-US" sz="1200" dirty="0"/>
-              <a:t>level foyer access </a:t>
-            </a:r>
-          </a:p>
-          <a:p>
-            <a:r>
-              <a:rPr lang="en-US" sz="1200" dirty="0" smtClean="0"/>
-              <a:t>3. Meeting </a:t>
-            </a:r>
-            <a:r>
-              <a:rPr lang="en-US" sz="1200" dirty="0"/>
-              <a:t>room 3 </a:t>
-            </a:r>
-            <a:r>
-              <a:rPr lang="en-US" sz="1200" dirty="0" smtClean="0"/>
-              <a:t>(</a:t>
-            </a:r>
-            <a:r>
-              <a:rPr lang="en-US" sz="1200" dirty="0" err="1"/>
-              <a:t>Sala</a:t>
-            </a:r>
-            <a:r>
-              <a:rPr lang="en-US" sz="1200" dirty="0"/>
-              <a:t> </a:t>
-            </a:r>
-            <a:r>
-              <a:rPr lang="en-US" sz="1200" dirty="0" smtClean="0"/>
-              <a:t>3)</a:t>
-            </a:r>
-            <a:endParaRPr lang="en-US" sz="1200" dirty="0"/>
-          </a:p>
-          <a:p>
-            <a:r>
-              <a:rPr lang="en-US" sz="1200" dirty="0" smtClean="0"/>
-              <a:t>4. Meeting </a:t>
-            </a:r>
-            <a:r>
-              <a:rPr lang="en-US" sz="1200" dirty="0"/>
-              <a:t>room 4 </a:t>
-            </a:r>
-            <a:r>
-              <a:rPr lang="en-US" sz="1200" dirty="0" smtClean="0"/>
-              <a:t>(</a:t>
-            </a:r>
-            <a:r>
-              <a:rPr lang="en-US" sz="1200" dirty="0" err="1"/>
-              <a:t>Sala</a:t>
-            </a:r>
-            <a:r>
-              <a:rPr lang="en-US" sz="1200" dirty="0"/>
-              <a:t> </a:t>
-            </a:r>
-            <a:r>
-              <a:rPr lang="en-US" sz="1200" dirty="0" smtClean="0"/>
-              <a:t>4)</a:t>
-            </a:r>
-            <a:endParaRPr lang="en-US" sz="1200" dirty="0"/>
-          </a:p>
-          <a:p>
-            <a:r>
-              <a:rPr lang="en-US" sz="1200" dirty="0" smtClean="0"/>
-              <a:t>5. Meeting </a:t>
-            </a:r>
-            <a:r>
-              <a:rPr lang="en-US" sz="1200" dirty="0"/>
-              <a:t>room 5 </a:t>
-            </a:r>
-            <a:r>
-              <a:rPr lang="en-US" sz="1200" dirty="0" smtClean="0"/>
-              <a:t>(</a:t>
-            </a:r>
-            <a:r>
-              <a:rPr lang="en-US" sz="1200" dirty="0" err="1"/>
-              <a:t>Sala</a:t>
-            </a:r>
-            <a:r>
-              <a:rPr lang="en-US" sz="1200" dirty="0"/>
-              <a:t> </a:t>
-            </a:r>
-            <a:r>
-              <a:rPr lang="en-US" sz="1200" dirty="0" smtClean="0"/>
-              <a:t>5)</a:t>
-            </a:r>
-            <a:endParaRPr lang="en-US" sz="1200" dirty="0"/>
-          </a:p>
-          <a:p>
-            <a:r>
-              <a:rPr lang="en-US" sz="1200" dirty="0" smtClean="0"/>
-              <a:t>6. Meeting </a:t>
-            </a:r>
-            <a:r>
-              <a:rPr lang="en-US" sz="1200" dirty="0"/>
-              <a:t>room 6 </a:t>
-            </a:r>
-            <a:r>
-              <a:rPr lang="en-US" sz="1200" dirty="0" smtClean="0"/>
-              <a:t>(</a:t>
-            </a:r>
-            <a:r>
-              <a:rPr lang="en-US" sz="1200" dirty="0" err="1"/>
-              <a:t>Sala</a:t>
-            </a:r>
-            <a:r>
-              <a:rPr lang="en-US" sz="1200" dirty="0"/>
-              <a:t> </a:t>
-            </a:r>
-            <a:r>
-              <a:rPr lang="en-US" sz="1200" dirty="0" smtClean="0"/>
-              <a:t>6)</a:t>
-            </a:r>
-            <a:endParaRPr lang="en-US" sz="1200" dirty="0"/>
-          </a:p>
-          <a:p>
-            <a:r>
-              <a:rPr lang="en-US" sz="1200" dirty="0" smtClean="0"/>
-              <a:t>7. Main </a:t>
-            </a:r>
-            <a:r>
-              <a:rPr lang="en-US" sz="1200" dirty="0"/>
-              <a:t>Auditorium stage </a:t>
-            </a:r>
-          </a:p>
-          <a:p>
-            <a:r>
-              <a:rPr lang="en-US" sz="1200" dirty="0" smtClean="0"/>
-              <a:t>8. Control room / Projection </a:t>
-            </a:r>
-            <a:r>
-              <a:rPr lang="en-US" sz="1200" dirty="0"/>
-              <a:t>booth </a:t>
-            </a:r>
-          </a:p>
-          <a:p>
-            <a:r>
-              <a:rPr lang="en-US" sz="1200" dirty="0" smtClean="0"/>
-              <a:t>9. Simultaneous </a:t>
-            </a:r>
-            <a:r>
-              <a:rPr lang="en-US" sz="1200" dirty="0"/>
-              <a:t>translation booths / Boxes </a:t>
-            </a:r>
-          </a:p>
-          <a:p>
-            <a:r>
-              <a:rPr lang="en-US" sz="1200" dirty="0" smtClean="0"/>
-              <a:t>10. Telecommunications </a:t>
-            </a:r>
-            <a:r>
-              <a:rPr lang="en-US" sz="1200" dirty="0"/>
-              <a:t>room </a:t>
-            </a:r>
-          </a:p>
-          <a:p>
-            <a:r>
-              <a:rPr lang="en-US" sz="1200" dirty="0" smtClean="0"/>
-              <a:t>11. </a:t>
-            </a:r>
-            <a:r>
-              <a:rPr lang="en-US" sz="1200" dirty="0" err="1" smtClean="0"/>
-              <a:t>Culturgest</a:t>
-            </a:r>
-            <a:r>
-              <a:rPr lang="en-US" sz="1200" dirty="0" smtClean="0"/>
-              <a:t> </a:t>
-            </a:r>
-            <a:r>
-              <a:rPr lang="en-US" sz="1200" dirty="0"/>
-              <a:t>administration and offices </a:t>
-            </a:r>
-          </a:p>
-        </p:txBody>
-      </p:sp>
-      <p:pic>
-        <p:nvPicPr>
-          <p:cNvPr id="2" name="Picture 1"/>
-          <p:cNvPicPr>
-            <a:picLocks noChangeAspect="1"/>
-          </p:cNvPicPr>
-          <p:nvPr/>
-        </p:nvPicPr>
-        <p:blipFill>
-          <a:blip r:embed="rId2"/>
-          <a:stretch>
-            <a:fillRect/>
-          </a:stretch>
-        </p:blipFill>
-        <p:spPr>
-          <a:xfrm>
-            <a:off x="5192209" y="1422537"/>
-            <a:ext cx="3695700" cy="4686300"/>
-          </a:xfrm>
-          <a:prstGeom prst="rect">
-            <a:avLst/>
-          </a:prstGeom>
-        </p:spPr>
-      </p:pic>
-      <p:sp>
-        <p:nvSpPr>
-          <p:cNvPr id="24" name="TextBox 23"/>
-          <p:cNvSpPr txBox="1"/>
-          <p:nvPr/>
-        </p:nvSpPr>
-        <p:spPr>
-          <a:xfrm>
-            <a:off x="569879" y="2924873"/>
-            <a:ext cx="1844450" cy="369332"/>
-          </a:xfrm>
-          <a:prstGeom prst="rect">
-            <a:avLst/>
-          </a:prstGeom>
-          <a:noFill/>
-        </p:spPr>
-        <p:txBody>
-          <a:bodyPr wrap="none" rtlCol="0">
-            <a:spAutoFit/>
-          </a:bodyPr>
-          <a:lstStyle/>
-          <a:p>
-            <a:r>
-              <a:rPr lang="en-US" dirty="0" smtClean="0"/>
-              <a:t>Sponsor locations</a:t>
-            </a:r>
-          </a:p>
-        </p:txBody>
-      </p:sp>
-      <p:sp>
-        <p:nvSpPr>
-          <p:cNvPr id="28" name="Rectangle 27"/>
-          <p:cNvSpPr/>
-          <p:nvPr/>
-        </p:nvSpPr>
-        <p:spPr>
-          <a:xfrm>
-            <a:off x="567529" y="3604157"/>
-            <a:ext cx="288098" cy="147559"/>
-          </a:xfrm>
-          <a:prstGeom prst="rect">
-            <a:avLst/>
-          </a:prstGeom>
-          <a:solidFill>
-            <a:schemeClr val="accent6"/>
-          </a:solidFill>
-          <a:ln w="12700" cmpd="sng">
-            <a:solidFill>
-              <a:schemeClr val="accent6">
-                <a:lumMod val="50000"/>
-              </a:schemeClr>
-            </a:solidFill>
-          </a:ln>
-        </p:spPr>
-        <p:style>
-          <a:lnRef idx="2">
-            <a:schemeClr val="accent2"/>
-          </a:lnRef>
-          <a:fillRef idx="1">
-            <a:schemeClr val="lt1"/>
-          </a:fillRef>
-          <a:effectRef idx="0">
-            <a:schemeClr val="accent2"/>
-          </a:effectRef>
-          <a:fontRef idx="minor">
-            <a:schemeClr val="dk1"/>
-          </a:fontRef>
-        </p:style>
-        <p:txBody>
           <a:bodyPr rtlCol="0" anchor="ctr"/>
           <a:lstStyle/>
           <a:p>
@@ -8186,67 +6356,13 @@
       </p:sp>
       <p:sp>
         <p:nvSpPr>
-          <p:cNvPr id="29" name="Rectangle 28"/>
-          <p:cNvSpPr/>
-          <p:nvPr/>
-        </p:nvSpPr>
-        <p:spPr>
-          <a:xfrm>
-            <a:off x="567527" y="3882273"/>
-            <a:ext cx="288099" cy="124664"/>
-          </a:xfrm>
-          <a:prstGeom prst="rect">
-            <a:avLst/>
-          </a:prstGeom>
-          <a:solidFill>
-            <a:srgbClr val="FDEADA"/>
-          </a:solidFill>
-          <a:ln w="12700" cmpd="sng">
-            <a:solidFill>
-              <a:schemeClr val="accent6">
-                <a:lumMod val="50000"/>
-              </a:schemeClr>
-            </a:solidFill>
-          </a:ln>
-        </p:spPr>
-        <p:style>
-          <a:lnRef idx="2">
-            <a:schemeClr val="accent2"/>
-          </a:lnRef>
-          <a:fillRef idx="1">
-            <a:schemeClr val="lt1"/>
-          </a:fillRef>
-          <a:effectRef idx="0">
-            <a:schemeClr val="accent2"/>
-          </a:effectRef>
-          <a:fontRef idx="minor">
-            <a:schemeClr val="dk1"/>
-          </a:fontRef>
-        </p:style>
-        <p:txBody>
-          <a:bodyPr rtlCol="0" anchor="ctr"/>
-          <a:lstStyle/>
-          <a:p>
-            <a:pPr algn="ctr"/>
-            <a:endParaRPr lang="en-US">
-              <a:ln w="3175" cmpd="sng">
-                <a:solidFill>
-                  <a:srgbClr val="000000"/>
-                </a:solidFill>
-              </a:ln>
-            </a:endParaRPr>
-          </a:p>
-        </p:txBody>
-      </p:sp>
-      <p:sp>
-        <p:nvSpPr>
           <p:cNvPr id="30" name="TextBox 29"/>
           <p:cNvSpPr txBox="1"/>
           <p:nvPr/>
         </p:nvSpPr>
         <p:spPr>
           <a:xfrm>
-            <a:off x="855628" y="3462204"/>
+            <a:off x="2407234" y="3809202"/>
             <a:ext cx="1877437" cy="646331"/>
           </a:xfrm>
           <a:prstGeom prst="rect">
@@ -8282,8 +6398,8 @@
         </p:nvSpPr>
         <p:spPr>
           <a:xfrm>
-            <a:off x="569879" y="4170235"/>
-            <a:ext cx="1542910" cy="1200329"/>
+            <a:off x="2034505" y="4482437"/>
+            <a:ext cx="1995658" cy="1569660"/>
           </a:xfrm>
           <a:prstGeom prst="rect">
             <a:avLst/>
@@ -8297,51 +6413,51 @@
           <a:lstStyle/>
           <a:p>
             <a:r>
-              <a:rPr lang="en-US" sz="1200" dirty="0" smtClean="0"/>
+              <a:rPr lang="en-US" sz="1600" dirty="0" smtClean="0"/>
               <a:t>A: </a:t>
             </a:r>
             <a:r>
-              <a:rPr lang="en-US" sz="1200" dirty="0" err="1"/>
+              <a:rPr lang="en-US" sz="1600" dirty="0" err="1"/>
               <a:t>Baidu</a:t>
             </a:r>
-            <a:endParaRPr lang="en-US" sz="1200" dirty="0"/>
-          </a:p>
-          <a:p>
-            <a:r>
-              <a:rPr lang="en-US" sz="1200" dirty="0" smtClean="0"/>
+            <a:endParaRPr lang="en-US" sz="1600" dirty="0"/>
+          </a:p>
+          <a:p>
+            <a:r>
+              <a:rPr lang="en-US" sz="1600" dirty="0" smtClean="0"/>
               <a:t>B: Bloomberg</a:t>
             </a:r>
           </a:p>
           <a:p>
             <a:r>
-              <a:rPr lang="en-US" sz="1200" dirty="0" smtClean="0"/>
+              <a:rPr lang="en-US" sz="1600" dirty="0" smtClean="0"/>
               <a:t>C: </a:t>
             </a:r>
             <a:r>
-              <a:rPr lang="en-US" sz="1200" dirty="0"/>
+              <a:rPr lang="en-US" sz="1600" dirty="0"/>
               <a:t>Google</a:t>
             </a:r>
           </a:p>
           <a:p>
             <a:r>
-              <a:rPr lang="en-US" sz="1200" dirty="0" smtClean="0"/>
+              <a:rPr lang="en-US" sz="1600" dirty="0" smtClean="0"/>
               <a:t>D: </a:t>
             </a:r>
             <a:r>
-              <a:rPr lang="en-US" sz="1200" dirty="0" err="1"/>
+              <a:rPr lang="en-US" sz="1600" dirty="0" err="1"/>
               <a:t>Linkedn</a:t>
             </a:r>
-            <a:endParaRPr lang="en-US" sz="1200" dirty="0"/>
-          </a:p>
-          <a:p>
-            <a:r>
-              <a:rPr lang="en-US" sz="1200" dirty="0" smtClean="0"/>
+            <a:endParaRPr lang="en-US" sz="1600" dirty="0"/>
+          </a:p>
+          <a:p>
+            <a:r>
+              <a:rPr lang="en-US" sz="1600" dirty="0" smtClean="0"/>
               <a:t>E: Morgan &amp; Claypool</a:t>
             </a:r>
           </a:p>
           <a:p>
             <a:r>
-              <a:rPr lang="en-US" sz="1200" dirty="0" smtClean="0"/>
+              <a:rPr lang="en-US" sz="1600" dirty="0" smtClean="0"/>
               <a:t>F: Springer</a:t>
             </a:r>
           </a:p>

--- a/resources/Culturgest-espacos/culturgest-maps.sponsors-and-posters.pptx
+++ b/resources/Culturgest-espacos/culturgest-maps.sponsors-and-posters.pptx
@@ -289,7 +289,7 @@
           <a:p>
             <a:fld id="{3BFD2B54-DB31-CC4F-AB57-0FBF0E49E955}" type="datetimeFigureOut">
               <a:rPr lang="en-US" smtClean="0"/>
-              <a:t>08/09/15</a:t>
+              <a:t>14/09/15</a:t>
             </a:fld>
             <a:endParaRPr lang="en-US"/>
           </a:p>
@@ -459,7 +459,7 @@
           <a:p>
             <a:fld id="{3BFD2B54-DB31-CC4F-AB57-0FBF0E49E955}" type="datetimeFigureOut">
               <a:rPr lang="en-US" smtClean="0"/>
-              <a:t>08/09/15</a:t>
+              <a:t>14/09/15</a:t>
             </a:fld>
             <a:endParaRPr lang="en-US"/>
           </a:p>
@@ -639,7 +639,7 @@
           <a:p>
             <a:fld id="{3BFD2B54-DB31-CC4F-AB57-0FBF0E49E955}" type="datetimeFigureOut">
               <a:rPr lang="en-US" smtClean="0"/>
-              <a:t>08/09/15</a:t>
+              <a:t>14/09/15</a:t>
             </a:fld>
             <a:endParaRPr lang="en-US"/>
           </a:p>
@@ -809,7 +809,7 @@
           <a:p>
             <a:fld id="{3BFD2B54-DB31-CC4F-AB57-0FBF0E49E955}" type="datetimeFigureOut">
               <a:rPr lang="en-US" smtClean="0"/>
-              <a:t>08/09/15</a:t>
+              <a:t>14/09/15</a:t>
             </a:fld>
             <a:endParaRPr lang="en-US"/>
           </a:p>
@@ -1055,7 +1055,7 @@
           <a:p>
             <a:fld id="{3BFD2B54-DB31-CC4F-AB57-0FBF0E49E955}" type="datetimeFigureOut">
               <a:rPr lang="en-US" smtClean="0"/>
-              <a:t>08/09/15</a:t>
+              <a:t>14/09/15</a:t>
             </a:fld>
             <a:endParaRPr lang="en-US"/>
           </a:p>
@@ -1343,7 +1343,7 @@
           <a:p>
             <a:fld id="{3BFD2B54-DB31-CC4F-AB57-0FBF0E49E955}" type="datetimeFigureOut">
               <a:rPr lang="en-US" smtClean="0"/>
-              <a:t>08/09/15</a:t>
+              <a:t>14/09/15</a:t>
             </a:fld>
             <a:endParaRPr lang="en-US"/>
           </a:p>
@@ -1765,7 +1765,7 @@
           <a:p>
             <a:fld id="{3BFD2B54-DB31-CC4F-AB57-0FBF0E49E955}" type="datetimeFigureOut">
               <a:rPr lang="en-US" smtClean="0"/>
-              <a:t>08/09/15</a:t>
+              <a:t>14/09/15</a:t>
             </a:fld>
             <a:endParaRPr lang="en-US"/>
           </a:p>
@@ -1883,7 +1883,7 @@
           <a:p>
             <a:fld id="{3BFD2B54-DB31-CC4F-AB57-0FBF0E49E955}" type="datetimeFigureOut">
               <a:rPr lang="en-US" smtClean="0"/>
-              <a:t>08/09/15</a:t>
+              <a:t>14/09/15</a:t>
             </a:fld>
             <a:endParaRPr lang="en-US"/>
           </a:p>
@@ -1978,7 +1978,7 @@
           <a:p>
             <a:fld id="{3BFD2B54-DB31-CC4F-AB57-0FBF0E49E955}" type="datetimeFigureOut">
               <a:rPr lang="en-US" smtClean="0"/>
-              <a:t>08/09/15</a:t>
+              <a:t>14/09/15</a:t>
             </a:fld>
             <a:endParaRPr lang="en-US"/>
           </a:p>
@@ -2255,7 +2255,7 @@
           <a:p>
             <a:fld id="{3BFD2B54-DB31-CC4F-AB57-0FBF0E49E955}" type="datetimeFigureOut">
               <a:rPr lang="en-US" smtClean="0"/>
-              <a:t>08/09/15</a:t>
+              <a:t>14/09/15</a:t>
             </a:fld>
             <a:endParaRPr lang="en-US"/>
           </a:p>
@@ -2508,7 +2508,7 @@
           <a:p>
             <a:fld id="{3BFD2B54-DB31-CC4F-AB57-0FBF0E49E955}" type="datetimeFigureOut">
               <a:rPr lang="en-US" smtClean="0"/>
-              <a:t>08/09/15</a:t>
+              <a:t>14/09/15</a:t>
             </a:fld>
             <a:endParaRPr lang="en-US"/>
           </a:p>
@@ -2721,7 +2721,7 @@
           <a:p>
             <a:fld id="{3BFD2B54-DB31-CC4F-AB57-0FBF0E49E955}" type="datetimeFigureOut">
               <a:rPr lang="en-US" smtClean="0"/>
-              <a:t>08/09/15</a:t>
+              <a:t>14/09/15</a:t>
             </a:fld>
             <a:endParaRPr lang="en-US"/>
           </a:p>
@@ -3098,7 +3098,7 @@
       </p:grpSpPr>
       <p:grpSp>
         <p:nvGrpSpPr>
-          <p:cNvPr id="36" name="Group 35"/>
+          <p:cNvPr id="30" name="Group 29"/>
           <p:cNvGrpSpPr/>
           <p:nvPr/>
         </p:nvGrpSpPr>
@@ -3110,441 +3110,426 @@
             <a:chExt cx="3944124" cy="5101590"/>
           </a:xfrm>
         </p:grpSpPr>
-        <p:grpSp>
-          <p:nvGrpSpPr>
-            <p:cNvPr id="30" name="Group 29"/>
-            <p:cNvGrpSpPr/>
+        <p:pic>
+          <p:nvPicPr>
+            <p:cNvPr id="4" name="Picture 3"/>
+            <p:cNvPicPr>
+              <a:picLocks noChangeAspect="1"/>
+            </p:cNvPicPr>
             <p:nvPr/>
-          </p:nvGrpSpPr>
-          <p:grpSpPr>
+          </p:nvPicPr>
+          <p:blipFill>
+            <a:blip r:embed="rId2"/>
+            <a:stretch>
+              <a:fillRect/>
+            </a:stretch>
+          </p:blipFill>
+          <p:spPr>
             <a:xfrm>
               <a:off x="4931633" y="927100"/>
-              <a:ext cx="3944124" cy="5101590"/>
-              <a:chOff x="4931633" y="927100"/>
-              <a:chExt cx="3944124" cy="5101590"/>
+              <a:ext cx="3822700" cy="5003800"/>
             </a:xfrm>
-          </p:grpSpPr>
-          <p:pic>
-            <p:nvPicPr>
-              <p:cNvPr id="4" name="Picture 3"/>
-              <p:cNvPicPr>
-                <a:picLocks noChangeAspect="1"/>
-              </p:cNvPicPr>
-              <p:nvPr/>
-            </p:nvPicPr>
-            <p:blipFill>
-              <a:blip r:embed="rId2"/>
-              <a:stretch>
-                <a:fillRect/>
-              </a:stretch>
-            </p:blipFill>
-            <p:spPr>
-              <a:xfrm>
-                <a:off x="4931633" y="927100"/>
-                <a:ext cx="3822700" cy="5003800"/>
-              </a:xfrm>
-              <a:prstGeom prst="rect">
-                <a:avLst/>
-              </a:prstGeom>
-            </p:spPr>
-          </p:pic>
-          <p:sp>
-            <p:nvSpPr>
-              <p:cNvPr id="28" name="Rectangle 27"/>
-              <p:cNvSpPr/>
-              <p:nvPr/>
-            </p:nvSpPr>
-            <p:spPr>
-              <a:xfrm>
-                <a:off x="5276512" y="3563180"/>
-                <a:ext cx="394154" cy="255453"/>
-              </a:xfrm>
-              <a:prstGeom prst="rect">
-                <a:avLst/>
-              </a:prstGeom>
-              <a:ln>
-                <a:noFill/>
-              </a:ln>
-            </p:spPr>
-            <p:style>
-              <a:lnRef idx="2">
-                <a:schemeClr val="accent1"/>
-              </a:lnRef>
-              <a:fillRef idx="1">
-                <a:schemeClr val="lt1"/>
-              </a:fillRef>
-              <a:effectRef idx="0">
-                <a:schemeClr val="accent1"/>
-              </a:effectRef>
-              <a:fontRef idx="minor">
-                <a:schemeClr val="dk1"/>
-              </a:fontRef>
-            </p:style>
-            <p:txBody>
-              <a:bodyPr rtlCol="0" anchor="ctr"/>
-              <a:lstStyle/>
-              <a:p>
-                <a:pPr algn="ctr"/>
-                <a:endParaRPr lang="en-US"/>
-              </a:p>
-            </p:txBody>
-          </p:sp>
-          <p:sp>
-            <p:nvSpPr>
-              <p:cNvPr id="27" name="Rectangle 26"/>
-              <p:cNvSpPr/>
-              <p:nvPr/>
-            </p:nvSpPr>
-            <p:spPr>
-              <a:xfrm>
-                <a:off x="8481603" y="5773237"/>
-                <a:ext cx="394154" cy="255453"/>
-              </a:xfrm>
-              <a:prstGeom prst="rect">
-                <a:avLst/>
-              </a:prstGeom>
-              <a:ln>
-                <a:noFill/>
-              </a:ln>
-            </p:spPr>
-            <p:style>
-              <a:lnRef idx="2">
-                <a:schemeClr val="accent1"/>
-              </a:lnRef>
-              <a:fillRef idx="1">
-                <a:schemeClr val="lt1"/>
-              </a:fillRef>
-              <a:effectRef idx="0">
-                <a:schemeClr val="accent1"/>
-              </a:effectRef>
-              <a:fontRef idx="minor">
-                <a:schemeClr val="dk1"/>
-              </a:fontRef>
-            </p:style>
-            <p:txBody>
-              <a:bodyPr rtlCol="0" anchor="ctr"/>
-              <a:lstStyle/>
-              <a:p>
-                <a:pPr algn="ctr"/>
-                <a:endParaRPr lang="en-US"/>
-              </a:p>
-            </p:txBody>
-          </p:sp>
-        </p:grpSp>
+            <a:prstGeom prst="rect">
+              <a:avLst/>
+            </a:prstGeom>
+          </p:spPr>
+        </p:pic>
         <p:sp>
           <p:nvSpPr>
-            <p:cNvPr id="31" name="Oval 30"/>
-            <p:cNvSpPr>
-              <a:spLocks noChangeAspect="1"/>
-            </p:cNvSpPr>
+            <p:cNvPr id="28" name="Rectangle 27"/>
+            <p:cNvSpPr/>
             <p:nvPr/>
           </p:nvSpPr>
           <p:spPr>
             <a:xfrm>
-              <a:off x="5186512" y="3524795"/>
-              <a:ext cx="216000" cy="216000"/>
+              <a:off x="5276512" y="3563180"/>
+              <a:ext cx="394154" cy="255453"/>
             </a:xfrm>
-            <a:prstGeom prst="ellipse">
+            <a:prstGeom prst="rect">
               <a:avLst/>
             </a:prstGeom>
-            <a:solidFill>
-              <a:srgbClr val="FF0000"/>
-            </a:solidFill>
             <a:ln>
-              <a:solidFill>
-                <a:srgbClr val="FF0000"/>
-              </a:solidFill>
+              <a:noFill/>
             </a:ln>
           </p:spPr>
           <p:style>
             <a:lnRef idx="2">
-              <a:schemeClr val="accent2"/>
+              <a:schemeClr val="accent1"/>
             </a:lnRef>
             <a:fillRef idx="1">
               <a:schemeClr val="lt1"/>
             </a:fillRef>
             <a:effectRef idx="0">
-              <a:schemeClr val="accent2"/>
+              <a:schemeClr val="accent1"/>
             </a:effectRef>
             <a:fontRef idx="minor">
               <a:schemeClr val="dk1"/>
             </a:fontRef>
           </p:style>
           <p:txBody>
-            <a:bodyPr wrap="none" lIns="0" tIns="0" rIns="0" bIns="18000" rtlCol="0" anchor="ctr"/>
+            <a:bodyPr rtlCol="0" anchor="ctr"/>
             <a:lstStyle/>
             <a:p>
               <a:pPr algn="ctr"/>
-              <a:r>
-                <a:rPr lang="en-US" sz="1400" dirty="0" smtClean="0">
-                  <a:solidFill>
-                    <a:schemeClr val="bg1"/>
-                  </a:solidFill>
-                  <a:latin typeface="Arial"/>
-                  <a:cs typeface="Arial"/>
-                </a:rPr>
-                <a:t>1</a:t>
-              </a:r>
-              <a:endParaRPr lang="en-US" sz="1400" dirty="0">
-                <a:solidFill>
-                  <a:schemeClr val="bg1"/>
-                </a:solidFill>
-                <a:latin typeface="Arial"/>
-                <a:cs typeface="Arial"/>
-              </a:endParaRPr>
+              <a:endParaRPr lang="en-US"/>
             </a:p>
           </p:txBody>
         </p:sp>
         <p:sp>
           <p:nvSpPr>
-            <p:cNvPr id="32" name="Oval 31"/>
-            <p:cNvSpPr>
-              <a:spLocks noChangeAspect="1"/>
-            </p:cNvSpPr>
+            <p:cNvPr id="27" name="Rectangle 26"/>
+            <p:cNvSpPr/>
             <p:nvPr/>
           </p:nvSpPr>
           <p:spPr>
             <a:xfrm>
-              <a:off x="5149249" y="2606332"/>
-              <a:ext cx="216000" cy="216000"/>
+              <a:off x="8481603" y="5773237"/>
+              <a:ext cx="394154" cy="255453"/>
             </a:xfrm>
-            <a:prstGeom prst="ellipse">
+            <a:prstGeom prst="rect">
               <a:avLst/>
             </a:prstGeom>
-            <a:solidFill>
-              <a:srgbClr val="FF0000"/>
-            </a:solidFill>
             <a:ln>
-              <a:solidFill>
-                <a:srgbClr val="FF0000"/>
-              </a:solidFill>
+              <a:noFill/>
             </a:ln>
           </p:spPr>
           <p:style>
             <a:lnRef idx="2">
-              <a:schemeClr val="accent2"/>
+              <a:schemeClr val="accent1"/>
             </a:lnRef>
             <a:fillRef idx="1">
               <a:schemeClr val="lt1"/>
             </a:fillRef>
             <a:effectRef idx="0">
-              <a:schemeClr val="accent2"/>
+              <a:schemeClr val="accent1"/>
             </a:effectRef>
             <a:fontRef idx="minor">
               <a:schemeClr val="dk1"/>
             </a:fontRef>
           </p:style>
           <p:txBody>
-            <a:bodyPr wrap="none" lIns="0" tIns="0" rIns="0" bIns="18000" rtlCol="0" anchor="ctr"/>
+            <a:bodyPr rtlCol="0" anchor="ctr"/>
             <a:lstStyle/>
             <a:p>
               <a:pPr algn="ctr"/>
-              <a:r>
-                <a:rPr lang="en-US" sz="1400" dirty="0">
-                  <a:solidFill>
-                    <a:schemeClr val="bg1"/>
-                  </a:solidFill>
-                  <a:latin typeface="Arial"/>
-                  <a:cs typeface="Arial"/>
-                </a:rPr>
-                <a:t>5</a:t>
-              </a:r>
+              <a:endParaRPr lang="en-US"/>
             </a:p>
           </p:txBody>
         </p:sp>
-        <p:sp>
-          <p:nvSpPr>
-            <p:cNvPr id="33" name="Oval 32"/>
-            <p:cNvSpPr>
-              <a:spLocks noChangeAspect="1"/>
-            </p:cNvSpPr>
-            <p:nvPr/>
-          </p:nvSpPr>
-          <p:spPr>
-            <a:xfrm>
-              <a:off x="6001729" y="2582696"/>
-              <a:ext cx="216000" cy="216000"/>
-            </a:xfrm>
-            <a:prstGeom prst="ellipse">
-              <a:avLst/>
-            </a:prstGeom>
+      </p:grpSp>
+      <p:sp>
+        <p:nvSpPr>
+          <p:cNvPr id="31" name="Oval 30"/>
+          <p:cNvSpPr>
+            <a:spLocks noChangeAspect="1"/>
+          </p:cNvSpPr>
+          <p:nvPr/>
+        </p:nvSpPr>
+        <p:spPr>
+          <a:xfrm>
+            <a:off x="5186512" y="3524795"/>
+            <a:ext cx="216000" cy="216000"/>
+          </a:xfrm>
+          <a:prstGeom prst="ellipse">
+            <a:avLst/>
+          </a:prstGeom>
+          <a:solidFill>
+            <a:srgbClr val="FF0000"/>
+          </a:solidFill>
+          <a:ln>
             <a:solidFill>
               <a:srgbClr val="FF0000"/>
             </a:solidFill>
-            <a:ln>
-              <a:solidFill>
-                <a:srgbClr val="FF0000"/>
-              </a:solidFill>
-            </a:ln>
-          </p:spPr>
-          <p:style>
-            <a:lnRef idx="2">
-              <a:schemeClr val="accent2"/>
-            </a:lnRef>
-            <a:fillRef idx="1">
-              <a:schemeClr val="lt1"/>
-            </a:fillRef>
-            <a:effectRef idx="0">
-              <a:schemeClr val="accent2"/>
-            </a:effectRef>
-            <a:fontRef idx="minor">
-              <a:schemeClr val="dk1"/>
-            </a:fontRef>
-          </p:style>
-          <p:txBody>
-            <a:bodyPr wrap="none" lIns="0" tIns="0" rIns="0" bIns="18000" rtlCol="0" anchor="ctr"/>
-            <a:lstStyle/>
-            <a:p>
-              <a:pPr algn="ctr"/>
-              <a:r>
-                <a:rPr lang="en-US" sz="1400" dirty="0" smtClean="0">
-                  <a:solidFill>
-                    <a:schemeClr val="bg1"/>
-                  </a:solidFill>
-                  <a:latin typeface="Arial"/>
-                  <a:cs typeface="Arial"/>
-                </a:rPr>
-                <a:t>3</a:t>
-              </a:r>
-              <a:endParaRPr lang="en-US" sz="1400" dirty="0">
+          </a:ln>
+        </p:spPr>
+        <p:style>
+          <a:lnRef idx="2">
+            <a:schemeClr val="accent2"/>
+          </a:lnRef>
+          <a:fillRef idx="1">
+            <a:schemeClr val="lt1"/>
+          </a:fillRef>
+          <a:effectRef idx="0">
+            <a:schemeClr val="accent2"/>
+          </a:effectRef>
+          <a:fontRef idx="minor">
+            <a:schemeClr val="dk1"/>
+          </a:fontRef>
+        </p:style>
+        <p:txBody>
+          <a:bodyPr wrap="none" lIns="0" tIns="0" rIns="0" bIns="18000" rtlCol="0" anchor="ctr"/>
+          <a:lstStyle/>
+          <a:p>
+            <a:pPr algn="ctr"/>
+            <a:r>
+              <a:rPr lang="en-US" sz="1400" dirty="0" smtClean="0">
                 <a:solidFill>
                   <a:schemeClr val="bg1"/>
                 </a:solidFill>
                 <a:latin typeface="Arial"/>
                 <a:cs typeface="Arial"/>
-              </a:endParaRPr>
-            </a:p>
-          </p:txBody>
-        </p:sp>
-        <p:sp>
-          <p:nvSpPr>
-            <p:cNvPr id="34" name="Oval 33"/>
-            <p:cNvSpPr>
-              <a:spLocks noChangeAspect="1"/>
-            </p:cNvSpPr>
-            <p:nvPr/>
-          </p:nvSpPr>
-          <p:spPr>
-            <a:xfrm>
-              <a:off x="5293589" y="1511534"/>
-              <a:ext cx="216000" cy="216000"/>
-            </a:xfrm>
-            <a:prstGeom prst="ellipse">
-              <a:avLst/>
-            </a:prstGeom>
+              </a:rPr>
+              <a:t>1</a:t>
+            </a:r>
+            <a:endParaRPr lang="en-US" sz="1400" dirty="0">
+              <a:solidFill>
+                <a:schemeClr val="bg1"/>
+              </a:solidFill>
+              <a:latin typeface="Arial"/>
+              <a:cs typeface="Arial"/>
+            </a:endParaRPr>
+          </a:p>
+        </p:txBody>
+      </p:sp>
+      <p:sp>
+        <p:nvSpPr>
+          <p:cNvPr id="32" name="Oval 31"/>
+          <p:cNvSpPr>
+            <a:spLocks noChangeAspect="1"/>
+          </p:cNvSpPr>
+          <p:nvPr/>
+        </p:nvSpPr>
+        <p:spPr>
+          <a:xfrm>
+            <a:off x="5149249" y="2606332"/>
+            <a:ext cx="216000" cy="216000"/>
+          </a:xfrm>
+          <a:prstGeom prst="ellipse">
+            <a:avLst/>
+          </a:prstGeom>
+          <a:solidFill>
+            <a:srgbClr val="FF0000"/>
+          </a:solidFill>
+          <a:ln>
             <a:solidFill>
               <a:srgbClr val="FF0000"/>
             </a:solidFill>
-            <a:ln>
-              <a:solidFill>
-                <a:srgbClr val="FF0000"/>
-              </a:solidFill>
-            </a:ln>
-          </p:spPr>
-          <p:style>
-            <a:lnRef idx="2">
-              <a:schemeClr val="accent2"/>
-            </a:lnRef>
-            <a:fillRef idx="1">
-              <a:schemeClr val="lt1"/>
-            </a:fillRef>
-            <a:effectRef idx="0">
-              <a:schemeClr val="accent2"/>
-            </a:effectRef>
-            <a:fontRef idx="minor">
-              <a:schemeClr val="dk1"/>
-            </a:fontRef>
-          </p:style>
-          <p:txBody>
-            <a:bodyPr wrap="none" lIns="0" tIns="0" rIns="0" bIns="18000" rtlCol="0" anchor="ctr"/>
-            <a:lstStyle/>
-            <a:p>
-              <a:pPr algn="ctr"/>
-              <a:r>
-                <a:rPr lang="en-US" sz="1400" dirty="0" smtClean="0">
-                  <a:solidFill>
-                    <a:schemeClr val="bg1"/>
-                  </a:solidFill>
-                  <a:latin typeface="Arial"/>
-                  <a:cs typeface="Arial"/>
-                </a:rPr>
-                <a:t>2</a:t>
-              </a:r>
-              <a:endParaRPr lang="en-US" sz="1400" dirty="0">
+          </a:ln>
+        </p:spPr>
+        <p:style>
+          <a:lnRef idx="2">
+            <a:schemeClr val="accent2"/>
+          </a:lnRef>
+          <a:fillRef idx="1">
+            <a:schemeClr val="lt1"/>
+          </a:fillRef>
+          <a:effectRef idx="0">
+            <a:schemeClr val="accent2"/>
+          </a:effectRef>
+          <a:fontRef idx="minor">
+            <a:schemeClr val="dk1"/>
+          </a:fontRef>
+        </p:style>
+        <p:txBody>
+          <a:bodyPr wrap="none" lIns="0" tIns="0" rIns="0" bIns="18000" rtlCol="0" anchor="ctr"/>
+          <a:lstStyle/>
+          <a:p>
+            <a:pPr algn="ctr"/>
+            <a:r>
+              <a:rPr lang="en-US" sz="1400" dirty="0">
                 <a:solidFill>
                   <a:schemeClr val="bg1"/>
                 </a:solidFill>
                 <a:latin typeface="Arial"/>
                 <a:cs typeface="Arial"/>
-              </a:endParaRPr>
-            </a:p>
-          </p:txBody>
-        </p:sp>
-        <p:sp>
-          <p:nvSpPr>
-            <p:cNvPr id="35" name="Oval 34"/>
-            <p:cNvSpPr>
-              <a:spLocks noChangeAspect="1"/>
-            </p:cNvSpPr>
-            <p:nvPr/>
-          </p:nvSpPr>
-          <p:spPr>
-            <a:xfrm>
-              <a:off x="5952155" y="4540398"/>
-              <a:ext cx="216000" cy="216000"/>
-            </a:xfrm>
-            <a:prstGeom prst="ellipse">
-              <a:avLst/>
-            </a:prstGeom>
+              </a:rPr>
+              <a:t>5</a:t>
+            </a:r>
+          </a:p>
+        </p:txBody>
+      </p:sp>
+      <p:sp>
+        <p:nvSpPr>
+          <p:cNvPr id="33" name="Oval 32"/>
+          <p:cNvSpPr>
+            <a:spLocks noChangeAspect="1"/>
+          </p:cNvSpPr>
+          <p:nvPr/>
+        </p:nvSpPr>
+        <p:spPr>
+          <a:xfrm>
+            <a:off x="6001729" y="2582696"/>
+            <a:ext cx="216000" cy="216000"/>
+          </a:xfrm>
+          <a:prstGeom prst="ellipse">
+            <a:avLst/>
+          </a:prstGeom>
+          <a:solidFill>
+            <a:srgbClr val="FF0000"/>
+          </a:solidFill>
+          <a:ln>
             <a:solidFill>
               <a:srgbClr val="FF0000"/>
             </a:solidFill>
-            <a:ln>
-              <a:solidFill>
-                <a:srgbClr val="FF0000"/>
-              </a:solidFill>
-            </a:ln>
-          </p:spPr>
-          <p:style>
-            <a:lnRef idx="2">
-              <a:schemeClr val="accent2"/>
-            </a:lnRef>
-            <a:fillRef idx="1">
-              <a:schemeClr val="lt1"/>
-            </a:fillRef>
-            <a:effectRef idx="0">
-              <a:schemeClr val="accent2"/>
-            </a:effectRef>
-            <a:fontRef idx="minor">
-              <a:schemeClr val="dk1"/>
-            </a:fontRef>
-          </p:style>
-          <p:txBody>
-            <a:bodyPr wrap="none" lIns="0" tIns="0" rIns="0" bIns="18000" rtlCol="0" anchor="ctr"/>
-            <a:lstStyle/>
-            <a:p>
-              <a:pPr algn="ctr"/>
-              <a:r>
-                <a:rPr lang="en-US" sz="1400" dirty="0" smtClean="0">
-                  <a:solidFill>
-                    <a:schemeClr val="bg1"/>
-                  </a:solidFill>
-                  <a:latin typeface="Arial"/>
-                  <a:cs typeface="Arial"/>
-                </a:rPr>
-                <a:t>4</a:t>
-              </a:r>
-              <a:endParaRPr lang="en-US" sz="1400" dirty="0">
+          </a:ln>
+        </p:spPr>
+        <p:style>
+          <a:lnRef idx="2">
+            <a:schemeClr val="accent2"/>
+          </a:lnRef>
+          <a:fillRef idx="1">
+            <a:schemeClr val="lt1"/>
+          </a:fillRef>
+          <a:effectRef idx="0">
+            <a:schemeClr val="accent2"/>
+          </a:effectRef>
+          <a:fontRef idx="minor">
+            <a:schemeClr val="dk1"/>
+          </a:fontRef>
+        </p:style>
+        <p:txBody>
+          <a:bodyPr wrap="none" lIns="0" tIns="0" rIns="0" bIns="18000" rtlCol="0" anchor="ctr"/>
+          <a:lstStyle/>
+          <a:p>
+            <a:pPr algn="ctr"/>
+            <a:r>
+              <a:rPr lang="en-US" sz="1400" dirty="0" smtClean="0">
                 <a:solidFill>
                   <a:schemeClr val="bg1"/>
                 </a:solidFill>
                 <a:latin typeface="Arial"/>
                 <a:cs typeface="Arial"/>
-              </a:endParaRPr>
-            </a:p>
-          </p:txBody>
-        </p:sp>
-      </p:grpSp>
+              </a:rPr>
+              <a:t>3</a:t>
+            </a:r>
+            <a:endParaRPr lang="en-US" sz="1400" dirty="0">
+              <a:solidFill>
+                <a:schemeClr val="bg1"/>
+              </a:solidFill>
+              <a:latin typeface="Arial"/>
+              <a:cs typeface="Arial"/>
+            </a:endParaRPr>
+          </a:p>
+        </p:txBody>
+      </p:sp>
+      <p:sp>
+        <p:nvSpPr>
+          <p:cNvPr id="34" name="Oval 33"/>
+          <p:cNvSpPr>
+            <a:spLocks noChangeAspect="1"/>
+          </p:cNvSpPr>
+          <p:nvPr/>
+        </p:nvSpPr>
+        <p:spPr>
+          <a:xfrm>
+            <a:off x="5293589" y="1511534"/>
+            <a:ext cx="216000" cy="216000"/>
+          </a:xfrm>
+          <a:prstGeom prst="ellipse">
+            <a:avLst/>
+          </a:prstGeom>
+          <a:solidFill>
+            <a:srgbClr val="FF0000"/>
+          </a:solidFill>
+          <a:ln>
+            <a:solidFill>
+              <a:srgbClr val="FF0000"/>
+            </a:solidFill>
+          </a:ln>
+        </p:spPr>
+        <p:style>
+          <a:lnRef idx="2">
+            <a:schemeClr val="accent2"/>
+          </a:lnRef>
+          <a:fillRef idx="1">
+            <a:schemeClr val="lt1"/>
+          </a:fillRef>
+          <a:effectRef idx="0">
+            <a:schemeClr val="accent2"/>
+          </a:effectRef>
+          <a:fontRef idx="minor">
+            <a:schemeClr val="dk1"/>
+          </a:fontRef>
+        </p:style>
+        <p:txBody>
+          <a:bodyPr wrap="none" lIns="0" tIns="0" rIns="0" bIns="18000" rtlCol="0" anchor="ctr"/>
+          <a:lstStyle/>
+          <a:p>
+            <a:pPr algn="ctr"/>
+            <a:r>
+              <a:rPr lang="en-US" sz="1400" dirty="0" smtClean="0">
+                <a:solidFill>
+                  <a:schemeClr val="bg1"/>
+                </a:solidFill>
+                <a:latin typeface="Arial"/>
+                <a:cs typeface="Arial"/>
+              </a:rPr>
+              <a:t>2</a:t>
+            </a:r>
+            <a:endParaRPr lang="en-US" sz="1400" dirty="0">
+              <a:solidFill>
+                <a:schemeClr val="bg1"/>
+              </a:solidFill>
+              <a:latin typeface="Arial"/>
+              <a:cs typeface="Arial"/>
+            </a:endParaRPr>
+          </a:p>
+        </p:txBody>
+      </p:sp>
+      <p:sp>
+        <p:nvSpPr>
+          <p:cNvPr id="35" name="Oval 34"/>
+          <p:cNvSpPr>
+            <a:spLocks noChangeAspect="1"/>
+          </p:cNvSpPr>
+          <p:nvPr/>
+        </p:nvSpPr>
+        <p:spPr>
+          <a:xfrm>
+            <a:off x="5952155" y="4540398"/>
+            <a:ext cx="216000" cy="216000"/>
+          </a:xfrm>
+          <a:prstGeom prst="ellipse">
+            <a:avLst/>
+          </a:prstGeom>
+          <a:solidFill>
+            <a:srgbClr val="FF0000"/>
+          </a:solidFill>
+          <a:ln>
+            <a:solidFill>
+              <a:srgbClr val="FF0000"/>
+            </a:solidFill>
+          </a:ln>
+        </p:spPr>
+        <p:style>
+          <a:lnRef idx="2">
+            <a:schemeClr val="accent2"/>
+          </a:lnRef>
+          <a:fillRef idx="1">
+            <a:schemeClr val="lt1"/>
+          </a:fillRef>
+          <a:effectRef idx="0">
+            <a:schemeClr val="accent2"/>
+          </a:effectRef>
+          <a:fontRef idx="minor">
+            <a:schemeClr val="dk1"/>
+          </a:fontRef>
+        </p:style>
+        <p:txBody>
+          <a:bodyPr wrap="none" lIns="0" tIns="0" rIns="0" bIns="18000" rtlCol="0" anchor="ctr"/>
+          <a:lstStyle/>
+          <a:p>
+            <a:pPr algn="ctr"/>
+            <a:r>
+              <a:rPr lang="en-US" sz="1400" dirty="0" smtClean="0">
+                <a:solidFill>
+                  <a:schemeClr val="bg1"/>
+                </a:solidFill>
+                <a:latin typeface="Arial"/>
+                <a:cs typeface="Arial"/>
+              </a:rPr>
+              <a:t>4</a:t>
+            </a:r>
+            <a:endParaRPr lang="en-US" sz="1400" dirty="0">
+              <a:solidFill>
+                <a:schemeClr val="bg1"/>
+              </a:solidFill>
+              <a:latin typeface="Arial"/>
+              <a:cs typeface="Arial"/>
+            </a:endParaRPr>
+          </a:p>
+        </p:txBody>
+      </p:sp>
       <p:sp>
         <p:nvSpPr>
           <p:cNvPr id="15" name="TextBox 14"/>
@@ -3914,7 +3899,7 @@
         </p:nvCxnSpPr>
         <p:spPr>
           <a:xfrm>
-            <a:off x="6317552" y="1705658"/>
+            <a:off x="6313319" y="1705658"/>
             <a:ext cx="0" cy="72000"/>
           </a:xfrm>
           <a:prstGeom prst="line">
@@ -3945,7 +3930,7 @@
         </p:nvCxnSpPr>
         <p:spPr>
           <a:xfrm>
-            <a:off x="6317552" y="1602290"/>
+            <a:off x="6313319" y="1602290"/>
             <a:ext cx="0" cy="72000"/>
           </a:xfrm>
           <a:prstGeom prst="line">
@@ -3976,7 +3961,7 @@
         </p:nvCxnSpPr>
         <p:spPr>
           <a:xfrm>
-            <a:off x="6317552" y="1395552"/>
+            <a:off x="6313319" y="1395552"/>
             <a:ext cx="0" cy="72000"/>
           </a:xfrm>
           <a:prstGeom prst="line">
@@ -4007,38 +3992,7 @@
         </p:nvCxnSpPr>
         <p:spPr>
           <a:xfrm>
-            <a:off x="6317552" y="1496759"/>
-            <a:ext cx="0" cy="72000"/>
-          </a:xfrm>
-          <a:prstGeom prst="line">
-            <a:avLst/>
-          </a:prstGeom>
-          <a:ln w="38100" cmpd="sng"/>
-        </p:spPr>
-        <p:style>
-          <a:lnRef idx="2">
-            <a:schemeClr val="accent1"/>
-          </a:lnRef>
-          <a:fillRef idx="0">
-            <a:schemeClr val="accent1"/>
-          </a:fillRef>
-          <a:effectRef idx="1">
-            <a:schemeClr val="accent1"/>
-          </a:effectRef>
-          <a:fontRef idx="minor">
-            <a:schemeClr val="tx1"/>
-          </a:fontRef>
-        </p:style>
-      </p:cxnSp>
-      <p:cxnSp>
-        <p:nvCxnSpPr>
-          <p:cNvPr id="106" name="Straight Connector 105"/>
-          <p:cNvCxnSpPr/>
-          <p:nvPr/>
-        </p:nvCxnSpPr>
-        <p:spPr>
-          <a:xfrm>
-            <a:off x="5867606" y="1968924"/>
+            <a:off x="6313319" y="1496759"/>
             <a:ext cx="0" cy="72000"/>
           </a:xfrm>
           <a:prstGeom prst="line">
@@ -4069,7 +4023,7 @@
         </p:nvCxnSpPr>
         <p:spPr>
           <a:xfrm>
-            <a:off x="6317552" y="2067404"/>
+            <a:off x="6313319" y="2067404"/>
             <a:ext cx="0" cy="72000"/>
           </a:xfrm>
           <a:prstGeom prst="line">
@@ -4100,7 +4054,7 @@
         </p:nvCxnSpPr>
         <p:spPr>
           <a:xfrm>
-            <a:off x="6317552" y="1975740"/>
+            <a:off x="6313319" y="1975740"/>
             <a:ext cx="0" cy="72000"/>
           </a:xfrm>
           <a:prstGeom prst="line">
@@ -4131,7 +4085,7 @@
         </p:nvCxnSpPr>
         <p:spPr>
           <a:xfrm>
-            <a:off x="6317552" y="1872371"/>
+            <a:off x="6313319" y="1872371"/>
             <a:ext cx="0" cy="72000"/>
           </a:xfrm>
           <a:prstGeom prst="line">
@@ -4162,7 +4116,7 @@
         </p:nvCxnSpPr>
         <p:spPr>
           <a:xfrm>
-            <a:off x="6317552" y="2870474"/>
+            <a:off x="6313319" y="2870474"/>
             <a:ext cx="0" cy="72000"/>
           </a:xfrm>
           <a:prstGeom prst="line">
@@ -4193,7 +4147,7 @@
         </p:nvCxnSpPr>
         <p:spPr>
           <a:xfrm>
-            <a:off x="6317552" y="2767106"/>
+            <a:off x="6313319" y="2767106"/>
             <a:ext cx="0" cy="72000"/>
           </a:xfrm>
           <a:prstGeom prst="line">
@@ -4224,7 +4178,7 @@
         </p:nvCxnSpPr>
         <p:spPr>
           <a:xfrm>
-            <a:off x="6317552" y="2663737"/>
+            <a:off x="6313319" y="2663737"/>
             <a:ext cx="0" cy="72000"/>
           </a:xfrm>
           <a:prstGeom prst="line">
@@ -4255,7 +4209,7 @@
         </p:nvCxnSpPr>
         <p:spPr>
           <a:xfrm>
-            <a:off x="6317552" y="2560368"/>
+            <a:off x="6313319" y="2560368"/>
             <a:ext cx="0" cy="72000"/>
           </a:xfrm>
           <a:prstGeom prst="line">
@@ -4286,7 +4240,7 @@
         </p:nvCxnSpPr>
         <p:spPr>
           <a:xfrm>
-            <a:off x="6317552" y="2456999"/>
+            <a:off x="6313319" y="2456999"/>
             <a:ext cx="0" cy="72000"/>
           </a:xfrm>
           <a:prstGeom prst="line">
@@ -4317,69 +4271,7 @@
         </p:nvCxnSpPr>
         <p:spPr>
           <a:xfrm>
-            <a:off x="6317552" y="3452795"/>
-            <a:ext cx="0" cy="72000"/>
-          </a:xfrm>
-          <a:prstGeom prst="line">
-            <a:avLst/>
-          </a:prstGeom>
-          <a:ln w="38100" cmpd="sng"/>
-        </p:spPr>
-        <p:style>
-          <a:lnRef idx="2">
-            <a:schemeClr val="accent1"/>
-          </a:lnRef>
-          <a:fillRef idx="0">
-            <a:schemeClr val="accent1"/>
-          </a:fillRef>
-          <a:effectRef idx="1">
-            <a:schemeClr val="accent1"/>
-          </a:effectRef>
-          <a:fontRef idx="minor">
-            <a:schemeClr val="tx1"/>
-          </a:fontRef>
-        </p:style>
-      </p:cxnSp>
-      <p:cxnSp>
-        <p:nvCxnSpPr>
-          <p:cNvPr id="119" name="Straight Connector 118"/>
-          <p:cNvCxnSpPr/>
-          <p:nvPr/>
-        </p:nvCxnSpPr>
-        <p:spPr>
-          <a:xfrm>
-            <a:off x="6317552" y="3349427"/>
-            <a:ext cx="0" cy="72000"/>
-          </a:xfrm>
-          <a:prstGeom prst="line">
-            <a:avLst/>
-          </a:prstGeom>
-          <a:ln w="38100" cmpd="sng"/>
-        </p:spPr>
-        <p:style>
-          <a:lnRef idx="2">
-            <a:schemeClr val="accent1"/>
-          </a:lnRef>
-          <a:fillRef idx="0">
-            <a:schemeClr val="accent1"/>
-          </a:fillRef>
-          <a:effectRef idx="1">
-            <a:schemeClr val="accent1"/>
-          </a:effectRef>
-          <a:fontRef idx="minor">
-            <a:schemeClr val="tx1"/>
-          </a:fontRef>
-        </p:style>
-      </p:cxnSp>
-      <p:cxnSp>
-        <p:nvCxnSpPr>
-          <p:cNvPr id="121" name="Straight Connector 120"/>
-          <p:cNvCxnSpPr/>
-          <p:nvPr/>
-        </p:nvCxnSpPr>
-        <p:spPr>
-          <a:xfrm>
-            <a:off x="6317552" y="3253501"/>
+            <a:off x="5817445" y="1944371"/>
             <a:ext cx="0" cy="72000"/>
           </a:xfrm>
           <a:prstGeom prst="line">
@@ -4410,7 +4302,7 @@
         </p:nvCxnSpPr>
         <p:spPr>
           <a:xfrm>
-            <a:off x="6671652" y="3480141"/>
+            <a:off x="6696953" y="3480141"/>
             <a:ext cx="0" cy="72000"/>
           </a:xfrm>
           <a:prstGeom prst="line">
@@ -4441,7 +4333,7 @@
         </p:nvCxnSpPr>
         <p:spPr>
           <a:xfrm>
-            <a:off x="6671652" y="3376773"/>
+            <a:off x="6696953" y="3376773"/>
             <a:ext cx="0" cy="72000"/>
           </a:xfrm>
           <a:prstGeom prst="line">
@@ -4466,13 +4358,13 @@
       </p:cxnSp>
       <p:cxnSp>
         <p:nvCxnSpPr>
-          <p:cNvPr id="125" name="Straight Connector 124"/>
+          <p:cNvPr id="145" name="Straight Connector 144"/>
           <p:cNvCxnSpPr/>
           <p:nvPr/>
         </p:nvCxnSpPr>
         <p:spPr>
-          <a:xfrm>
-            <a:off x="6671652" y="1732585"/>
+          <a:xfrm rot="5400000">
+            <a:off x="6218433" y="1057541"/>
             <a:ext cx="0" cy="72000"/>
           </a:xfrm>
           <a:prstGeom prst="line">
@@ -4497,13 +4389,13 @@
       </p:cxnSp>
       <p:cxnSp>
         <p:nvCxnSpPr>
-          <p:cNvPr id="126" name="Straight Connector 125"/>
+          <p:cNvPr id="146" name="Straight Connector 145"/>
           <p:cNvCxnSpPr/>
           <p:nvPr/>
         </p:nvCxnSpPr>
         <p:spPr>
-          <a:xfrm>
-            <a:off x="6671652" y="1629321"/>
+          <a:xfrm rot="5400000">
+            <a:off x="6321697" y="1057541"/>
             <a:ext cx="0" cy="72000"/>
           </a:xfrm>
           <a:prstGeom prst="line">
@@ -4528,13 +4420,13 @@
       </p:cxnSp>
       <p:cxnSp>
         <p:nvCxnSpPr>
-          <p:cNvPr id="127" name="Straight Connector 126"/>
+          <p:cNvPr id="147" name="Straight Connector 146"/>
           <p:cNvCxnSpPr/>
           <p:nvPr/>
         </p:nvCxnSpPr>
         <p:spPr>
-          <a:xfrm>
-            <a:off x="6671652" y="1422793"/>
+          <a:xfrm rot="5400000">
+            <a:off x="6528225" y="1057541"/>
             <a:ext cx="0" cy="72000"/>
           </a:xfrm>
           <a:prstGeom prst="line">
@@ -4559,13 +4451,13 @@
       </p:cxnSp>
       <p:cxnSp>
         <p:nvCxnSpPr>
-          <p:cNvPr id="128" name="Straight Connector 127"/>
+          <p:cNvPr id="148" name="Straight Connector 147"/>
           <p:cNvCxnSpPr/>
           <p:nvPr/>
         </p:nvCxnSpPr>
         <p:spPr>
-          <a:xfrm>
-            <a:off x="6671652" y="1319529"/>
+          <a:xfrm rot="5400000">
+            <a:off x="6631489" y="1057541"/>
             <a:ext cx="0" cy="72000"/>
           </a:xfrm>
           <a:prstGeom prst="line">
@@ -4590,13 +4482,13 @@
       </p:cxnSp>
       <p:cxnSp>
         <p:nvCxnSpPr>
-          <p:cNvPr id="130" name="Straight Connector 129"/>
+          <p:cNvPr id="149" name="Straight Connector 148"/>
           <p:cNvCxnSpPr/>
           <p:nvPr/>
         </p:nvCxnSpPr>
         <p:spPr>
-          <a:xfrm>
-            <a:off x="6671652" y="2042378"/>
+          <a:xfrm rot="5400000">
+            <a:off x="5908640" y="1057541"/>
             <a:ext cx="0" cy="72000"/>
           </a:xfrm>
           <a:prstGeom prst="line">
@@ -4621,13 +4513,13 @@
       </p:cxnSp>
       <p:cxnSp>
         <p:nvCxnSpPr>
-          <p:cNvPr id="131" name="Straight Connector 130"/>
+          <p:cNvPr id="150" name="Straight Connector 149"/>
           <p:cNvCxnSpPr/>
           <p:nvPr/>
         </p:nvCxnSpPr>
         <p:spPr>
-          <a:xfrm>
-            <a:off x="6671652" y="1939113"/>
+          <a:xfrm rot="5400000">
+            <a:off x="6011905" y="1057541"/>
             <a:ext cx="0" cy="72000"/>
           </a:xfrm>
           <a:prstGeom prst="line">
@@ -4652,13 +4544,13 @@
       </p:cxnSp>
       <p:cxnSp>
         <p:nvCxnSpPr>
-          <p:cNvPr id="132" name="Straight Connector 131"/>
+          <p:cNvPr id="151" name="Straight Connector 150"/>
           <p:cNvCxnSpPr/>
           <p:nvPr/>
         </p:nvCxnSpPr>
         <p:spPr>
-          <a:xfrm>
-            <a:off x="6671652" y="1835849"/>
+          <a:xfrm rot="5400000">
+            <a:off x="6115169" y="1057541"/>
             <a:ext cx="0" cy="72000"/>
           </a:xfrm>
           <a:prstGeom prst="line">
@@ -4683,13 +4575,13 @@
       </p:cxnSp>
       <p:cxnSp>
         <p:nvCxnSpPr>
-          <p:cNvPr id="142" name="Straight Connector 141"/>
+          <p:cNvPr id="152" name="Straight Connector 151"/>
           <p:cNvCxnSpPr/>
           <p:nvPr/>
         </p:nvCxnSpPr>
         <p:spPr>
-          <a:xfrm>
-            <a:off x="6671652" y="1526057"/>
+          <a:xfrm rot="5400000">
+            <a:off x="6424961" y="1057541"/>
             <a:ext cx="0" cy="72000"/>
           </a:xfrm>
           <a:prstGeom prst="line">
@@ -4712,269 +4604,6 @@
           </a:fontRef>
         </p:style>
       </p:cxnSp>
-      <p:grpSp>
-        <p:nvGrpSpPr>
-          <p:cNvPr id="144" name="Group 143"/>
-          <p:cNvGrpSpPr/>
-          <p:nvPr/>
-        </p:nvGrpSpPr>
-        <p:grpSpPr>
-          <a:xfrm rot="5400000">
-            <a:off x="7318257" y="3828778"/>
-            <a:ext cx="0" cy="794849"/>
-            <a:chOff x="6671652" y="1319529"/>
-            <a:chExt cx="0" cy="794849"/>
-          </a:xfrm>
-        </p:grpSpPr>
-        <p:cxnSp>
-          <p:nvCxnSpPr>
-            <p:cNvPr id="145" name="Straight Connector 144"/>
-            <p:cNvCxnSpPr/>
-            <p:nvPr/>
-          </p:nvCxnSpPr>
-          <p:spPr>
-            <a:xfrm>
-              <a:off x="6671652" y="1732585"/>
-              <a:ext cx="0" cy="72000"/>
-            </a:xfrm>
-            <a:prstGeom prst="line">
-              <a:avLst/>
-            </a:prstGeom>
-            <a:ln w="38100" cmpd="sng"/>
-          </p:spPr>
-          <p:style>
-            <a:lnRef idx="2">
-              <a:schemeClr val="accent1"/>
-            </a:lnRef>
-            <a:fillRef idx="0">
-              <a:schemeClr val="accent1"/>
-            </a:fillRef>
-            <a:effectRef idx="1">
-              <a:schemeClr val="accent1"/>
-            </a:effectRef>
-            <a:fontRef idx="minor">
-              <a:schemeClr val="tx1"/>
-            </a:fontRef>
-          </p:style>
-        </p:cxnSp>
-        <p:cxnSp>
-          <p:nvCxnSpPr>
-            <p:cNvPr id="146" name="Straight Connector 145"/>
-            <p:cNvCxnSpPr/>
-            <p:nvPr/>
-          </p:nvCxnSpPr>
-          <p:spPr>
-            <a:xfrm>
-              <a:off x="6671652" y="1629321"/>
-              <a:ext cx="0" cy="72000"/>
-            </a:xfrm>
-            <a:prstGeom prst="line">
-              <a:avLst/>
-            </a:prstGeom>
-            <a:ln w="38100" cmpd="sng"/>
-          </p:spPr>
-          <p:style>
-            <a:lnRef idx="2">
-              <a:schemeClr val="accent1"/>
-            </a:lnRef>
-            <a:fillRef idx="0">
-              <a:schemeClr val="accent1"/>
-            </a:fillRef>
-            <a:effectRef idx="1">
-              <a:schemeClr val="accent1"/>
-            </a:effectRef>
-            <a:fontRef idx="minor">
-              <a:schemeClr val="tx1"/>
-            </a:fontRef>
-          </p:style>
-        </p:cxnSp>
-        <p:cxnSp>
-          <p:nvCxnSpPr>
-            <p:cNvPr id="147" name="Straight Connector 146"/>
-            <p:cNvCxnSpPr/>
-            <p:nvPr/>
-          </p:nvCxnSpPr>
-          <p:spPr>
-            <a:xfrm>
-              <a:off x="6671652" y="1422793"/>
-              <a:ext cx="0" cy="72000"/>
-            </a:xfrm>
-            <a:prstGeom prst="line">
-              <a:avLst/>
-            </a:prstGeom>
-            <a:ln w="38100" cmpd="sng"/>
-          </p:spPr>
-          <p:style>
-            <a:lnRef idx="2">
-              <a:schemeClr val="accent1"/>
-            </a:lnRef>
-            <a:fillRef idx="0">
-              <a:schemeClr val="accent1"/>
-            </a:fillRef>
-            <a:effectRef idx="1">
-              <a:schemeClr val="accent1"/>
-            </a:effectRef>
-            <a:fontRef idx="minor">
-              <a:schemeClr val="tx1"/>
-            </a:fontRef>
-          </p:style>
-        </p:cxnSp>
-        <p:cxnSp>
-          <p:nvCxnSpPr>
-            <p:cNvPr id="148" name="Straight Connector 147"/>
-            <p:cNvCxnSpPr/>
-            <p:nvPr/>
-          </p:nvCxnSpPr>
-          <p:spPr>
-            <a:xfrm>
-              <a:off x="6671652" y="1319529"/>
-              <a:ext cx="0" cy="72000"/>
-            </a:xfrm>
-            <a:prstGeom prst="line">
-              <a:avLst/>
-            </a:prstGeom>
-            <a:ln w="38100" cmpd="sng"/>
-          </p:spPr>
-          <p:style>
-            <a:lnRef idx="2">
-              <a:schemeClr val="accent1"/>
-            </a:lnRef>
-            <a:fillRef idx="0">
-              <a:schemeClr val="accent1"/>
-            </a:fillRef>
-            <a:effectRef idx="1">
-              <a:schemeClr val="accent1"/>
-            </a:effectRef>
-            <a:fontRef idx="minor">
-              <a:schemeClr val="tx1"/>
-            </a:fontRef>
-          </p:style>
-        </p:cxnSp>
-        <p:cxnSp>
-          <p:nvCxnSpPr>
-            <p:cNvPr id="149" name="Straight Connector 148"/>
-            <p:cNvCxnSpPr/>
-            <p:nvPr/>
-          </p:nvCxnSpPr>
-          <p:spPr>
-            <a:xfrm>
-              <a:off x="6671652" y="2042378"/>
-              <a:ext cx="0" cy="72000"/>
-            </a:xfrm>
-            <a:prstGeom prst="line">
-              <a:avLst/>
-            </a:prstGeom>
-            <a:ln w="38100" cmpd="sng"/>
-          </p:spPr>
-          <p:style>
-            <a:lnRef idx="2">
-              <a:schemeClr val="accent1"/>
-            </a:lnRef>
-            <a:fillRef idx="0">
-              <a:schemeClr val="accent1"/>
-            </a:fillRef>
-            <a:effectRef idx="1">
-              <a:schemeClr val="accent1"/>
-            </a:effectRef>
-            <a:fontRef idx="minor">
-              <a:schemeClr val="tx1"/>
-            </a:fontRef>
-          </p:style>
-        </p:cxnSp>
-        <p:cxnSp>
-          <p:nvCxnSpPr>
-            <p:cNvPr id="150" name="Straight Connector 149"/>
-            <p:cNvCxnSpPr/>
-            <p:nvPr/>
-          </p:nvCxnSpPr>
-          <p:spPr>
-            <a:xfrm>
-              <a:off x="6671652" y="1939113"/>
-              <a:ext cx="0" cy="72000"/>
-            </a:xfrm>
-            <a:prstGeom prst="line">
-              <a:avLst/>
-            </a:prstGeom>
-            <a:ln w="38100" cmpd="sng"/>
-          </p:spPr>
-          <p:style>
-            <a:lnRef idx="2">
-              <a:schemeClr val="accent1"/>
-            </a:lnRef>
-            <a:fillRef idx="0">
-              <a:schemeClr val="accent1"/>
-            </a:fillRef>
-            <a:effectRef idx="1">
-              <a:schemeClr val="accent1"/>
-            </a:effectRef>
-            <a:fontRef idx="minor">
-              <a:schemeClr val="tx1"/>
-            </a:fontRef>
-          </p:style>
-        </p:cxnSp>
-        <p:cxnSp>
-          <p:nvCxnSpPr>
-            <p:cNvPr id="151" name="Straight Connector 150"/>
-            <p:cNvCxnSpPr/>
-            <p:nvPr/>
-          </p:nvCxnSpPr>
-          <p:spPr>
-            <a:xfrm>
-              <a:off x="6671652" y="1835849"/>
-              <a:ext cx="0" cy="72000"/>
-            </a:xfrm>
-            <a:prstGeom prst="line">
-              <a:avLst/>
-            </a:prstGeom>
-            <a:ln w="38100" cmpd="sng"/>
-          </p:spPr>
-          <p:style>
-            <a:lnRef idx="2">
-              <a:schemeClr val="accent1"/>
-            </a:lnRef>
-            <a:fillRef idx="0">
-              <a:schemeClr val="accent1"/>
-            </a:fillRef>
-            <a:effectRef idx="1">
-              <a:schemeClr val="accent1"/>
-            </a:effectRef>
-            <a:fontRef idx="minor">
-              <a:schemeClr val="tx1"/>
-            </a:fontRef>
-          </p:style>
-        </p:cxnSp>
-        <p:cxnSp>
-          <p:nvCxnSpPr>
-            <p:cNvPr id="152" name="Straight Connector 151"/>
-            <p:cNvCxnSpPr/>
-            <p:nvPr/>
-          </p:nvCxnSpPr>
-          <p:spPr>
-            <a:xfrm>
-              <a:off x="6671652" y="1526057"/>
-              <a:ext cx="0" cy="72000"/>
-            </a:xfrm>
-            <a:prstGeom prst="line">
-              <a:avLst/>
-            </a:prstGeom>
-            <a:ln w="38100" cmpd="sng"/>
-          </p:spPr>
-          <p:style>
-            <a:lnRef idx="2">
-              <a:schemeClr val="accent1"/>
-            </a:lnRef>
-            <a:fillRef idx="0">
-              <a:schemeClr val="accent1"/>
-            </a:fillRef>
-            <a:effectRef idx="1">
-              <a:schemeClr val="accent1"/>
-            </a:effectRef>
-            <a:fontRef idx="minor">
-              <a:schemeClr val="tx1"/>
-            </a:fontRef>
-          </p:style>
-        </p:cxnSp>
-      </p:grpSp>
       <p:cxnSp>
         <p:nvCxnSpPr>
           <p:cNvPr id="155" name="Straight Connector 154"/>
@@ -4983,7 +4612,7 @@
         </p:nvCxnSpPr>
         <p:spPr>
           <a:xfrm>
-            <a:off x="6671652" y="3909712"/>
+            <a:off x="6696953" y="3909712"/>
             <a:ext cx="0" cy="72000"/>
           </a:xfrm>
           <a:prstGeom prst="line">
@@ -5014,7 +4643,7 @@
         </p:nvCxnSpPr>
         <p:spPr>
           <a:xfrm>
-            <a:off x="6671652" y="3703184"/>
+            <a:off x="6696953" y="3703184"/>
             <a:ext cx="0" cy="72000"/>
           </a:xfrm>
           <a:prstGeom prst="line">
@@ -5045,7 +4674,7 @@
         </p:nvCxnSpPr>
         <p:spPr>
           <a:xfrm>
-            <a:off x="6671652" y="3599920"/>
+            <a:off x="6696953" y="3599920"/>
             <a:ext cx="0" cy="72000"/>
           </a:xfrm>
           <a:prstGeom prst="line">
@@ -5076,7 +4705,7 @@
         </p:nvCxnSpPr>
         <p:spPr>
           <a:xfrm>
-            <a:off x="6671652" y="3806448"/>
+            <a:off x="6696953" y="3806448"/>
             <a:ext cx="0" cy="72000"/>
           </a:xfrm>
           <a:prstGeom prst="line">
@@ -5107,7 +4736,7 @@
         </p:nvCxnSpPr>
         <p:spPr>
           <a:xfrm>
-            <a:off x="5867030" y="2310965"/>
+            <a:off x="5817445" y="2310965"/>
             <a:ext cx="0" cy="72000"/>
           </a:xfrm>
           <a:prstGeom prst="line">
@@ -5138,503 +4767,7 @@
         </p:nvCxnSpPr>
         <p:spPr>
           <a:xfrm>
-            <a:off x="5867030" y="2207701"/>
-            <a:ext cx="0" cy="72000"/>
-          </a:xfrm>
-          <a:prstGeom prst="line">
-            <a:avLst/>
-          </a:prstGeom>
-          <a:ln w="38100" cmpd="sng"/>
-        </p:spPr>
-        <p:style>
-          <a:lnRef idx="2">
-            <a:schemeClr val="accent1"/>
-          </a:lnRef>
-          <a:fillRef idx="0">
-            <a:schemeClr val="accent1"/>
-          </a:fillRef>
-          <a:effectRef idx="1">
-            <a:schemeClr val="accent1"/>
-          </a:effectRef>
-          <a:fontRef idx="minor">
-            <a:schemeClr val="tx1"/>
-          </a:fontRef>
-        </p:style>
-      </p:cxnSp>
-      <p:cxnSp>
-        <p:nvCxnSpPr>
-          <p:cNvPr id="184" name="Straight Connector 183"/>
-          <p:cNvCxnSpPr/>
-          <p:nvPr/>
-        </p:nvCxnSpPr>
-        <p:spPr>
-          <a:xfrm>
-            <a:off x="6361814" y="1705706"/>
-            <a:ext cx="0" cy="72000"/>
-          </a:xfrm>
-          <a:prstGeom prst="line">
-            <a:avLst/>
-          </a:prstGeom>
-          <a:ln w="38100" cmpd="sng"/>
-        </p:spPr>
-        <p:style>
-          <a:lnRef idx="2">
-            <a:schemeClr val="accent1"/>
-          </a:lnRef>
-          <a:fillRef idx="0">
-            <a:schemeClr val="accent1"/>
-          </a:fillRef>
-          <a:effectRef idx="1">
-            <a:schemeClr val="accent1"/>
-          </a:effectRef>
-          <a:fontRef idx="minor">
-            <a:schemeClr val="tx1"/>
-          </a:fontRef>
-        </p:style>
-      </p:cxnSp>
-      <p:cxnSp>
-        <p:nvCxnSpPr>
-          <p:cNvPr id="185" name="Straight Connector 184"/>
-          <p:cNvCxnSpPr/>
-          <p:nvPr/>
-        </p:nvCxnSpPr>
-        <p:spPr>
-          <a:xfrm>
-            <a:off x="6361814" y="1602338"/>
-            <a:ext cx="0" cy="72000"/>
-          </a:xfrm>
-          <a:prstGeom prst="line">
-            <a:avLst/>
-          </a:prstGeom>
-          <a:ln w="38100" cmpd="sng"/>
-        </p:spPr>
-        <p:style>
-          <a:lnRef idx="2">
-            <a:schemeClr val="accent1"/>
-          </a:lnRef>
-          <a:fillRef idx="0">
-            <a:schemeClr val="accent1"/>
-          </a:fillRef>
-          <a:effectRef idx="1">
-            <a:schemeClr val="accent1"/>
-          </a:effectRef>
-          <a:fontRef idx="minor">
-            <a:schemeClr val="tx1"/>
-          </a:fontRef>
-        </p:style>
-      </p:cxnSp>
-      <p:cxnSp>
-        <p:nvCxnSpPr>
-          <p:cNvPr id="186" name="Straight Connector 185"/>
-          <p:cNvCxnSpPr/>
-          <p:nvPr/>
-        </p:nvCxnSpPr>
-        <p:spPr>
-          <a:xfrm>
-            <a:off x="6361814" y="1395600"/>
-            <a:ext cx="0" cy="72000"/>
-          </a:xfrm>
-          <a:prstGeom prst="line">
-            <a:avLst/>
-          </a:prstGeom>
-          <a:ln w="38100" cmpd="sng"/>
-        </p:spPr>
-        <p:style>
-          <a:lnRef idx="2">
-            <a:schemeClr val="accent1"/>
-          </a:lnRef>
-          <a:fillRef idx="0">
-            <a:schemeClr val="accent1"/>
-          </a:fillRef>
-          <a:effectRef idx="1">
-            <a:schemeClr val="accent1"/>
-          </a:effectRef>
-          <a:fontRef idx="minor">
-            <a:schemeClr val="tx1"/>
-          </a:fontRef>
-        </p:style>
-      </p:cxnSp>
-      <p:cxnSp>
-        <p:nvCxnSpPr>
-          <p:cNvPr id="187" name="Straight Connector 186"/>
-          <p:cNvCxnSpPr/>
-          <p:nvPr/>
-        </p:nvCxnSpPr>
-        <p:spPr>
-          <a:xfrm>
-            <a:off x="6361814" y="1496807"/>
-            <a:ext cx="0" cy="72000"/>
-          </a:xfrm>
-          <a:prstGeom prst="line">
-            <a:avLst/>
-          </a:prstGeom>
-          <a:ln w="38100" cmpd="sng"/>
-        </p:spPr>
-        <p:style>
-          <a:lnRef idx="2">
-            <a:schemeClr val="accent1"/>
-          </a:lnRef>
-          <a:fillRef idx="0">
-            <a:schemeClr val="accent1"/>
-          </a:fillRef>
-          <a:effectRef idx="1">
-            <a:schemeClr val="accent1"/>
-          </a:effectRef>
-          <a:fontRef idx="minor">
-            <a:schemeClr val="tx1"/>
-          </a:fontRef>
-        </p:style>
-      </p:cxnSp>
-      <p:cxnSp>
-        <p:nvCxnSpPr>
-          <p:cNvPr id="188" name="Straight Connector 187"/>
-          <p:cNvCxnSpPr/>
-          <p:nvPr/>
-        </p:nvCxnSpPr>
-        <p:spPr>
-          <a:xfrm>
-            <a:off x="5867606" y="1877308"/>
-            <a:ext cx="0" cy="72000"/>
-          </a:xfrm>
-          <a:prstGeom prst="line">
-            <a:avLst/>
-          </a:prstGeom>
-          <a:ln w="38100" cmpd="sng"/>
-        </p:spPr>
-        <p:style>
-          <a:lnRef idx="2">
-            <a:schemeClr val="accent1"/>
-          </a:lnRef>
-          <a:fillRef idx="0">
-            <a:schemeClr val="accent1"/>
-          </a:fillRef>
-          <a:effectRef idx="1">
-            <a:schemeClr val="accent1"/>
-          </a:effectRef>
-          <a:fontRef idx="minor">
-            <a:schemeClr val="tx1"/>
-          </a:fontRef>
-        </p:style>
-      </p:cxnSp>
-      <p:cxnSp>
-        <p:nvCxnSpPr>
-          <p:cNvPr id="189" name="Straight Connector 188"/>
-          <p:cNvCxnSpPr/>
-          <p:nvPr/>
-        </p:nvCxnSpPr>
-        <p:spPr>
-          <a:xfrm>
-            <a:off x="6361814" y="2067452"/>
-            <a:ext cx="0" cy="72000"/>
-          </a:xfrm>
-          <a:prstGeom prst="line">
-            <a:avLst/>
-          </a:prstGeom>
-          <a:ln w="38100" cmpd="sng"/>
-        </p:spPr>
-        <p:style>
-          <a:lnRef idx="2">
-            <a:schemeClr val="accent1"/>
-          </a:lnRef>
-          <a:fillRef idx="0">
-            <a:schemeClr val="accent1"/>
-          </a:fillRef>
-          <a:effectRef idx="1">
-            <a:schemeClr val="accent1"/>
-          </a:effectRef>
-          <a:fontRef idx="minor">
-            <a:schemeClr val="tx1"/>
-          </a:fontRef>
-        </p:style>
-      </p:cxnSp>
-      <p:cxnSp>
-        <p:nvCxnSpPr>
-          <p:cNvPr id="190" name="Straight Connector 189"/>
-          <p:cNvCxnSpPr/>
-          <p:nvPr/>
-        </p:nvCxnSpPr>
-        <p:spPr>
-          <a:xfrm>
-            <a:off x="6361814" y="1975788"/>
-            <a:ext cx="0" cy="72000"/>
-          </a:xfrm>
-          <a:prstGeom prst="line">
-            <a:avLst/>
-          </a:prstGeom>
-          <a:ln w="38100" cmpd="sng"/>
-        </p:spPr>
-        <p:style>
-          <a:lnRef idx="2">
-            <a:schemeClr val="accent1"/>
-          </a:lnRef>
-          <a:fillRef idx="0">
-            <a:schemeClr val="accent1"/>
-          </a:fillRef>
-          <a:effectRef idx="1">
-            <a:schemeClr val="accent1"/>
-          </a:effectRef>
-          <a:fontRef idx="minor">
-            <a:schemeClr val="tx1"/>
-          </a:fontRef>
-        </p:style>
-      </p:cxnSp>
-      <p:cxnSp>
-        <p:nvCxnSpPr>
-          <p:cNvPr id="191" name="Straight Connector 190"/>
-          <p:cNvCxnSpPr/>
-          <p:nvPr/>
-        </p:nvCxnSpPr>
-        <p:spPr>
-          <a:xfrm>
-            <a:off x="6361814" y="1872419"/>
-            <a:ext cx="0" cy="72000"/>
-          </a:xfrm>
-          <a:prstGeom prst="line">
-            <a:avLst/>
-          </a:prstGeom>
-          <a:ln w="38100" cmpd="sng"/>
-        </p:spPr>
-        <p:style>
-          <a:lnRef idx="2">
-            <a:schemeClr val="accent1"/>
-          </a:lnRef>
-          <a:fillRef idx="0">
-            <a:schemeClr val="accent1"/>
-          </a:fillRef>
-          <a:effectRef idx="1">
-            <a:schemeClr val="accent1"/>
-          </a:effectRef>
-          <a:fontRef idx="minor">
-            <a:schemeClr val="tx1"/>
-          </a:fontRef>
-        </p:style>
-      </p:cxnSp>
-      <p:cxnSp>
-        <p:nvCxnSpPr>
-          <p:cNvPr id="192" name="Straight Connector 191"/>
-          <p:cNvCxnSpPr/>
-          <p:nvPr/>
-        </p:nvCxnSpPr>
-        <p:spPr>
-          <a:xfrm>
-            <a:off x="6361814" y="2870522"/>
-            <a:ext cx="0" cy="72000"/>
-          </a:xfrm>
-          <a:prstGeom prst="line">
-            <a:avLst/>
-          </a:prstGeom>
-          <a:ln w="38100" cmpd="sng"/>
-        </p:spPr>
-        <p:style>
-          <a:lnRef idx="2">
-            <a:schemeClr val="accent1"/>
-          </a:lnRef>
-          <a:fillRef idx="0">
-            <a:schemeClr val="accent1"/>
-          </a:fillRef>
-          <a:effectRef idx="1">
-            <a:schemeClr val="accent1"/>
-          </a:effectRef>
-          <a:fontRef idx="minor">
-            <a:schemeClr val="tx1"/>
-          </a:fontRef>
-        </p:style>
-      </p:cxnSp>
-      <p:cxnSp>
-        <p:nvCxnSpPr>
-          <p:cNvPr id="193" name="Straight Connector 192"/>
-          <p:cNvCxnSpPr/>
-          <p:nvPr/>
-        </p:nvCxnSpPr>
-        <p:spPr>
-          <a:xfrm>
-            <a:off x="6361814" y="2767154"/>
-            <a:ext cx="0" cy="72000"/>
-          </a:xfrm>
-          <a:prstGeom prst="line">
-            <a:avLst/>
-          </a:prstGeom>
-          <a:ln w="38100" cmpd="sng"/>
-        </p:spPr>
-        <p:style>
-          <a:lnRef idx="2">
-            <a:schemeClr val="accent1"/>
-          </a:lnRef>
-          <a:fillRef idx="0">
-            <a:schemeClr val="accent1"/>
-          </a:fillRef>
-          <a:effectRef idx="1">
-            <a:schemeClr val="accent1"/>
-          </a:effectRef>
-          <a:fontRef idx="minor">
-            <a:schemeClr val="tx1"/>
-          </a:fontRef>
-        </p:style>
-      </p:cxnSp>
-      <p:cxnSp>
-        <p:nvCxnSpPr>
-          <p:cNvPr id="194" name="Straight Connector 193"/>
-          <p:cNvCxnSpPr/>
-          <p:nvPr/>
-        </p:nvCxnSpPr>
-        <p:spPr>
-          <a:xfrm>
-            <a:off x="6361814" y="2663785"/>
-            <a:ext cx="0" cy="72000"/>
-          </a:xfrm>
-          <a:prstGeom prst="line">
-            <a:avLst/>
-          </a:prstGeom>
-          <a:ln w="38100" cmpd="sng"/>
-        </p:spPr>
-        <p:style>
-          <a:lnRef idx="2">
-            <a:schemeClr val="accent1"/>
-          </a:lnRef>
-          <a:fillRef idx="0">
-            <a:schemeClr val="accent1"/>
-          </a:fillRef>
-          <a:effectRef idx="1">
-            <a:schemeClr val="accent1"/>
-          </a:effectRef>
-          <a:fontRef idx="minor">
-            <a:schemeClr val="tx1"/>
-          </a:fontRef>
-        </p:style>
-      </p:cxnSp>
-      <p:cxnSp>
-        <p:nvCxnSpPr>
-          <p:cNvPr id="195" name="Straight Connector 194"/>
-          <p:cNvCxnSpPr/>
-          <p:nvPr/>
-        </p:nvCxnSpPr>
-        <p:spPr>
-          <a:xfrm>
-            <a:off x="6361814" y="2560416"/>
-            <a:ext cx="0" cy="72000"/>
-          </a:xfrm>
-          <a:prstGeom prst="line">
-            <a:avLst/>
-          </a:prstGeom>
-          <a:ln w="38100" cmpd="sng"/>
-        </p:spPr>
-        <p:style>
-          <a:lnRef idx="2">
-            <a:schemeClr val="accent1"/>
-          </a:lnRef>
-          <a:fillRef idx="0">
-            <a:schemeClr val="accent1"/>
-          </a:fillRef>
-          <a:effectRef idx="1">
-            <a:schemeClr val="accent1"/>
-          </a:effectRef>
-          <a:fontRef idx="minor">
-            <a:schemeClr val="tx1"/>
-          </a:fontRef>
-        </p:style>
-      </p:cxnSp>
-      <p:cxnSp>
-        <p:nvCxnSpPr>
-          <p:cNvPr id="196" name="Straight Connector 195"/>
-          <p:cNvCxnSpPr/>
-          <p:nvPr/>
-        </p:nvCxnSpPr>
-        <p:spPr>
-          <a:xfrm>
-            <a:off x="6361814" y="2457047"/>
-            <a:ext cx="0" cy="72000"/>
-          </a:xfrm>
-          <a:prstGeom prst="line">
-            <a:avLst/>
-          </a:prstGeom>
-          <a:ln w="38100" cmpd="sng"/>
-        </p:spPr>
-        <p:style>
-          <a:lnRef idx="2">
-            <a:schemeClr val="accent1"/>
-          </a:lnRef>
-          <a:fillRef idx="0">
-            <a:schemeClr val="accent1"/>
-          </a:fillRef>
-          <a:effectRef idx="1">
-            <a:schemeClr val="accent1"/>
-          </a:effectRef>
-          <a:fontRef idx="minor">
-            <a:schemeClr val="tx1"/>
-          </a:fontRef>
-        </p:style>
-      </p:cxnSp>
-      <p:cxnSp>
-        <p:nvCxnSpPr>
-          <p:cNvPr id="197" name="Straight Connector 196"/>
-          <p:cNvCxnSpPr/>
-          <p:nvPr/>
-        </p:nvCxnSpPr>
-        <p:spPr>
-          <a:xfrm>
-            <a:off x="6361814" y="3452843"/>
-            <a:ext cx="0" cy="72000"/>
-          </a:xfrm>
-          <a:prstGeom prst="line">
-            <a:avLst/>
-          </a:prstGeom>
-          <a:ln w="38100" cmpd="sng"/>
-        </p:spPr>
-        <p:style>
-          <a:lnRef idx="2">
-            <a:schemeClr val="accent1"/>
-          </a:lnRef>
-          <a:fillRef idx="0">
-            <a:schemeClr val="accent1"/>
-          </a:fillRef>
-          <a:effectRef idx="1">
-            <a:schemeClr val="accent1"/>
-          </a:effectRef>
-          <a:fontRef idx="minor">
-            <a:schemeClr val="tx1"/>
-          </a:fontRef>
-        </p:style>
-      </p:cxnSp>
-      <p:cxnSp>
-        <p:nvCxnSpPr>
-          <p:cNvPr id="198" name="Straight Connector 197"/>
-          <p:cNvCxnSpPr/>
-          <p:nvPr/>
-        </p:nvCxnSpPr>
-        <p:spPr>
-          <a:xfrm>
-            <a:off x="6361814" y="3349475"/>
-            <a:ext cx="0" cy="72000"/>
-          </a:xfrm>
-          <a:prstGeom prst="line">
-            <a:avLst/>
-          </a:prstGeom>
-          <a:ln w="38100" cmpd="sng"/>
-        </p:spPr>
-        <p:style>
-          <a:lnRef idx="2">
-            <a:schemeClr val="accent1"/>
-          </a:lnRef>
-          <a:fillRef idx="0">
-            <a:schemeClr val="accent1"/>
-          </a:fillRef>
-          <a:effectRef idx="1">
-            <a:schemeClr val="accent1"/>
-          </a:effectRef>
-          <a:fontRef idx="minor">
-            <a:schemeClr val="tx1"/>
-          </a:fontRef>
-        </p:style>
-      </p:cxnSp>
-      <p:cxnSp>
-        <p:nvCxnSpPr>
-          <p:cNvPr id="199" name="Straight Connector 198"/>
-          <p:cNvCxnSpPr/>
-          <p:nvPr/>
-        </p:nvCxnSpPr>
-        <p:spPr>
-          <a:xfrm>
-            <a:off x="6361814" y="3253549"/>
+            <a:off x="5817445" y="2207701"/>
             <a:ext cx="0" cy="72000"/>
           </a:xfrm>
           <a:prstGeom prst="line">
@@ -5665,7 +4798,7 @@
         </p:nvCxnSpPr>
         <p:spPr>
           <a:xfrm>
-            <a:off x="6671652" y="3277427"/>
+            <a:off x="6696953" y="3277427"/>
             <a:ext cx="0" cy="72000"/>
           </a:xfrm>
           <a:prstGeom prst="line">
@@ -5696,7 +4829,7 @@
         </p:nvCxnSpPr>
         <p:spPr>
           <a:xfrm>
-            <a:off x="5867606" y="2619686"/>
+            <a:off x="5817445" y="2619686"/>
             <a:ext cx="0" cy="72000"/>
           </a:xfrm>
           <a:prstGeom prst="line">
@@ -5727,7 +4860,7 @@
         </p:nvCxnSpPr>
         <p:spPr>
           <a:xfrm>
-            <a:off x="5867606" y="2516422"/>
+            <a:off x="5817445" y="2516422"/>
             <a:ext cx="0" cy="72000"/>
           </a:xfrm>
           <a:prstGeom prst="line">
@@ -5758,7 +4891,7 @@
         </p:nvCxnSpPr>
         <p:spPr>
           <a:xfrm>
-            <a:off x="5867606" y="2413158"/>
+            <a:off x="5817445" y="2413158"/>
             <a:ext cx="0" cy="72000"/>
           </a:xfrm>
           <a:prstGeom prst="line">
@@ -5931,6 +5064,626 @@
           </a:p>
         </p:txBody>
       </p:sp>
+      <p:cxnSp>
+        <p:nvCxnSpPr>
+          <p:cNvPr id="84" name="Straight Connector 83"/>
+          <p:cNvCxnSpPr/>
+          <p:nvPr/>
+        </p:nvCxnSpPr>
+        <p:spPr>
+          <a:xfrm>
+            <a:off x="5817445" y="1498816"/>
+            <a:ext cx="0" cy="72000"/>
+          </a:xfrm>
+          <a:prstGeom prst="line">
+            <a:avLst/>
+          </a:prstGeom>
+          <a:ln w="38100" cmpd="sng"/>
+        </p:spPr>
+        <p:style>
+          <a:lnRef idx="2">
+            <a:schemeClr val="accent1"/>
+          </a:lnRef>
+          <a:fillRef idx="0">
+            <a:schemeClr val="accent1"/>
+          </a:fillRef>
+          <a:effectRef idx="1">
+            <a:schemeClr val="accent1"/>
+          </a:effectRef>
+          <a:fontRef idx="minor">
+            <a:schemeClr val="tx1"/>
+          </a:fontRef>
+        </p:style>
+      </p:cxnSp>
+      <p:cxnSp>
+        <p:nvCxnSpPr>
+          <p:cNvPr id="85" name="Straight Connector 84"/>
+          <p:cNvCxnSpPr/>
+          <p:nvPr/>
+        </p:nvCxnSpPr>
+        <p:spPr>
+          <a:xfrm>
+            <a:off x="5817445" y="1292288"/>
+            <a:ext cx="0" cy="72000"/>
+          </a:xfrm>
+          <a:prstGeom prst="line">
+            <a:avLst/>
+          </a:prstGeom>
+          <a:ln w="38100" cmpd="sng"/>
+        </p:spPr>
+        <p:style>
+          <a:lnRef idx="2">
+            <a:schemeClr val="accent1"/>
+          </a:lnRef>
+          <a:fillRef idx="0">
+            <a:schemeClr val="accent1"/>
+          </a:fillRef>
+          <a:effectRef idx="1">
+            <a:schemeClr val="accent1"/>
+          </a:effectRef>
+          <a:fontRef idx="minor">
+            <a:schemeClr val="tx1"/>
+          </a:fontRef>
+        </p:style>
+      </p:cxnSp>
+      <p:cxnSp>
+        <p:nvCxnSpPr>
+          <p:cNvPr id="86" name="Straight Connector 85"/>
+          <p:cNvCxnSpPr/>
+          <p:nvPr/>
+        </p:nvCxnSpPr>
+        <p:spPr>
+          <a:xfrm>
+            <a:off x="5817445" y="1189024"/>
+            <a:ext cx="0" cy="72000"/>
+          </a:xfrm>
+          <a:prstGeom prst="line">
+            <a:avLst/>
+          </a:prstGeom>
+          <a:ln w="38100" cmpd="sng"/>
+        </p:spPr>
+        <p:style>
+          <a:lnRef idx="2">
+            <a:schemeClr val="accent1"/>
+          </a:lnRef>
+          <a:fillRef idx="0">
+            <a:schemeClr val="accent1"/>
+          </a:fillRef>
+          <a:effectRef idx="1">
+            <a:schemeClr val="accent1"/>
+          </a:effectRef>
+          <a:fontRef idx="minor">
+            <a:schemeClr val="tx1"/>
+          </a:fontRef>
+        </p:style>
+      </p:cxnSp>
+      <p:cxnSp>
+        <p:nvCxnSpPr>
+          <p:cNvPr id="87" name="Straight Connector 86"/>
+          <p:cNvCxnSpPr/>
+          <p:nvPr/>
+        </p:nvCxnSpPr>
+        <p:spPr>
+          <a:xfrm>
+            <a:off x="5817445" y="1395552"/>
+            <a:ext cx="0" cy="72000"/>
+          </a:xfrm>
+          <a:prstGeom prst="line">
+            <a:avLst/>
+          </a:prstGeom>
+          <a:ln w="38100" cmpd="sng"/>
+        </p:spPr>
+        <p:style>
+          <a:lnRef idx="2">
+            <a:schemeClr val="accent1"/>
+          </a:lnRef>
+          <a:fillRef idx="0">
+            <a:schemeClr val="accent1"/>
+          </a:fillRef>
+          <a:effectRef idx="1">
+            <a:schemeClr val="accent1"/>
+          </a:effectRef>
+          <a:fontRef idx="minor">
+            <a:schemeClr val="tx1"/>
+          </a:fontRef>
+        </p:style>
+      </p:cxnSp>
+      <p:cxnSp>
+        <p:nvCxnSpPr>
+          <p:cNvPr id="88" name="Straight Connector 87"/>
+          <p:cNvCxnSpPr/>
+          <p:nvPr/>
+        </p:nvCxnSpPr>
+        <p:spPr>
+          <a:xfrm>
+            <a:off x="6696953" y="1741344"/>
+            <a:ext cx="0" cy="72000"/>
+          </a:xfrm>
+          <a:prstGeom prst="line">
+            <a:avLst/>
+          </a:prstGeom>
+          <a:ln w="38100" cmpd="sng"/>
+        </p:spPr>
+        <p:style>
+          <a:lnRef idx="2">
+            <a:schemeClr val="accent1"/>
+          </a:lnRef>
+          <a:fillRef idx="0">
+            <a:schemeClr val="accent1"/>
+          </a:fillRef>
+          <a:effectRef idx="1">
+            <a:schemeClr val="accent1"/>
+          </a:effectRef>
+          <a:fontRef idx="minor">
+            <a:schemeClr val="tx1"/>
+          </a:fontRef>
+        </p:style>
+      </p:cxnSp>
+      <p:cxnSp>
+        <p:nvCxnSpPr>
+          <p:cNvPr id="89" name="Straight Connector 88"/>
+          <p:cNvCxnSpPr/>
+          <p:nvPr/>
+        </p:nvCxnSpPr>
+        <p:spPr>
+          <a:xfrm>
+            <a:off x="6696953" y="1638080"/>
+            <a:ext cx="0" cy="72000"/>
+          </a:xfrm>
+          <a:prstGeom prst="line">
+            <a:avLst/>
+          </a:prstGeom>
+          <a:ln w="38100" cmpd="sng"/>
+        </p:spPr>
+        <p:style>
+          <a:lnRef idx="2">
+            <a:schemeClr val="accent1"/>
+          </a:lnRef>
+          <a:fillRef idx="0">
+            <a:schemeClr val="accent1"/>
+          </a:fillRef>
+          <a:effectRef idx="1">
+            <a:schemeClr val="accent1"/>
+          </a:effectRef>
+          <a:fontRef idx="minor">
+            <a:schemeClr val="tx1"/>
+          </a:fontRef>
+        </p:style>
+      </p:cxnSp>
+      <p:cxnSp>
+        <p:nvCxnSpPr>
+          <p:cNvPr id="90" name="Straight Connector 89"/>
+          <p:cNvCxnSpPr/>
+          <p:nvPr/>
+        </p:nvCxnSpPr>
+        <p:spPr>
+          <a:xfrm>
+            <a:off x="6696953" y="1431552"/>
+            <a:ext cx="0" cy="72000"/>
+          </a:xfrm>
+          <a:prstGeom prst="line">
+            <a:avLst/>
+          </a:prstGeom>
+          <a:ln w="38100" cmpd="sng"/>
+        </p:spPr>
+        <p:style>
+          <a:lnRef idx="2">
+            <a:schemeClr val="accent1"/>
+          </a:lnRef>
+          <a:fillRef idx="0">
+            <a:schemeClr val="accent1"/>
+          </a:fillRef>
+          <a:effectRef idx="1">
+            <a:schemeClr val="accent1"/>
+          </a:effectRef>
+          <a:fontRef idx="minor">
+            <a:schemeClr val="tx1"/>
+          </a:fontRef>
+        </p:style>
+      </p:cxnSp>
+      <p:cxnSp>
+        <p:nvCxnSpPr>
+          <p:cNvPr id="91" name="Straight Connector 90"/>
+          <p:cNvCxnSpPr/>
+          <p:nvPr/>
+        </p:nvCxnSpPr>
+        <p:spPr>
+          <a:xfrm>
+            <a:off x="6696953" y="1328288"/>
+            <a:ext cx="0" cy="72000"/>
+          </a:xfrm>
+          <a:prstGeom prst="line">
+            <a:avLst/>
+          </a:prstGeom>
+          <a:ln w="38100" cmpd="sng"/>
+        </p:spPr>
+        <p:style>
+          <a:lnRef idx="2">
+            <a:schemeClr val="accent1"/>
+          </a:lnRef>
+          <a:fillRef idx="0">
+            <a:schemeClr val="accent1"/>
+          </a:fillRef>
+          <a:effectRef idx="1">
+            <a:schemeClr val="accent1"/>
+          </a:effectRef>
+          <a:fontRef idx="minor">
+            <a:schemeClr val="tx1"/>
+          </a:fontRef>
+        </p:style>
+      </p:cxnSp>
+      <p:cxnSp>
+        <p:nvCxnSpPr>
+          <p:cNvPr id="92" name="Straight Connector 91"/>
+          <p:cNvCxnSpPr/>
+          <p:nvPr/>
+        </p:nvCxnSpPr>
+        <p:spPr>
+          <a:xfrm>
+            <a:off x="6696953" y="2051137"/>
+            <a:ext cx="0" cy="72000"/>
+          </a:xfrm>
+          <a:prstGeom prst="line">
+            <a:avLst/>
+          </a:prstGeom>
+          <a:ln w="38100" cmpd="sng"/>
+        </p:spPr>
+        <p:style>
+          <a:lnRef idx="2">
+            <a:schemeClr val="accent1"/>
+          </a:lnRef>
+          <a:fillRef idx="0">
+            <a:schemeClr val="accent1"/>
+          </a:fillRef>
+          <a:effectRef idx="1">
+            <a:schemeClr val="accent1"/>
+          </a:effectRef>
+          <a:fontRef idx="minor">
+            <a:schemeClr val="tx1"/>
+          </a:fontRef>
+        </p:style>
+      </p:cxnSp>
+      <p:cxnSp>
+        <p:nvCxnSpPr>
+          <p:cNvPr id="93" name="Straight Connector 92"/>
+          <p:cNvCxnSpPr/>
+          <p:nvPr/>
+        </p:nvCxnSpPr>
+        <p:spPr>
+          <a:xfrm>
+            <a:off x="6696953" y="1947872"/>
+            <a:ext cx="0" cy="72000"/>
+          </a:xfrm>
+          <a:prstGeom prst="line">
+            <a:avLst/>
+          </a:prstGeom>
+          <a:ln w="38100" cmpd="sng"/>
+        </p:spPr>
+        <p:style>
+          <a:lnRef idx="2">
+            <a:schemeClr val="accent1"/>
+          </a:lnRef>
+          <a:fillRef idx="0">
+            <a:schemeClr val="accent1"/>
+          </a:fillRef>
+          <a:effectRef idx="1">
+            <a:schemeClr val="accent1"/>
+          </a:effectRef>
+          <a:fontRef idx="minor">
+            <a:schemeClr val="tx1"/>
+          </a:fontRef>
+        </p:style>
+      </p:cxnSp>
+      <p:cxnSp>
+        <p:nvCxnSpPr>
+          <p:cNvPr id="94" name="Straight Connector 93"/>
+          <p:cNvCxnSpPr/>
+          <p:nvPr/>
+        </p:nvCxnSpPr>
+        <p:spPr>
+          <a:xfrm>
+            <a:off x="6696953" y="1844608"/>
+            <a:ext cx="0" cy="72000"/>
+          </a:xfrm>
+          <a:prstGeom prst="line">
+            <a:avLst/>
+          </a:prstGeom>
+          <a:ln w="38100" cmpd="sng"/>
+        </p:spPr>
+        <p:style>
+          <a:lnRef idx="2">
+            <a:schemeClr val="accent1"/>
+          </a:lnRef>
+          <a:fillRef idx="0">
+            <a:schemeClr val="accent1"/>
+          </a:fillRef>
+          <a:effectRef idx="1">
+            <a:schemeClr val="accent1"/>
+          </a:effectRef>
+          <a:fontRef idx="minor">
+            <a:schemeClr val="tx1"/>
+          </a:fontRef>
+        </p:style>
+      </p:cxnSp>
+      <p:cxnSp>
+        <p:nvCxnSpPr>
+          <p:cNvPr id="96" name="Straight Connector 95"/>
+          <p:cNvCxnSpPr/>
+          <p:nvPr/>
+        </p:nvCxnSpPr>
+        <p:spPr>
+          <a:xfrm>
+            <a:off x="6696953" y="1534816"/>
+            <a:ext cx="0" cy="72000"/>
+          </a:xfrm>
+          <a:prstGeom prst="line">
+            <a:avLst/>
+          </a:prstGeom>
+          <a:ln w="38100" cmpd="sng"/>
+        </p:spPr>
+        <p:style>
+          <a:lnRef idx="2">
+            <a:schemeClr val="accent1"/>
+          </a:lnRef>
+          <a:fillRef idx="0">
+            <a:schemeClr val="accent1"/>
+          </a:fillRef>
+          <a:effectRef idx="1">
+            <a:schemeClr val="accent1"/>
+          </a:effectRef>
+          <a:fontRef idx="minor">
+            <a:schemeClr val="tx1"/>
+          </a:fontRef>
+        </p:style>
+      </p:cxnSp>
+      <p:cxnSp>
+        <p:nvCxnSpPr>
+          <p:cNvPr id="97" name="Straight Connector 96"/>
+          <p:cNvCxnSpPr/>
+          <p:nvPr/>
+        </p:nvCxnSpPr>
+        <p:spPr>
+          <a:xfrm>
+            <a:off x="5817445" y="3789032"/>
+            <a:ext cx="0" cy="72000"/>
+          </a:xfrm>
+          <a:prstGeom prst="line">
+            <a:avLst/>
+          </a:prstGeom>
+          <a:ln w="38100" cmpd="sng"/>
+        </p:spPr>
+        <p:style>
+          <a:lnRef idx="2">
+            <a:schemeClr val="accent1"/>
+          </a:lnRef>
+          <a:fillRef idx="0">
+            <a:schemeClr val="accent1"/>
+          </a:fillRef>
+          <a:effectRef idx="1">
+            <a:schemeClr val="accent1"/>
+          </a:effectRef>
+          <a:fontRef idx="minor">
+            <a:schemeClr val="tx1"/>
+          </a:fontRef>
+        </p:style>
+      </p:cxnSp>
+      <p:cxnSp>
+        <p:nvCxnSpPr>
+          <p:cNvPr id="98" name="Straight Connector 97"/>
+          <p:cNvCxnSpPr/>
+          <p:nvPr/>
+        </p:nvCxnSpPr>
+        <p:spPr>
+          <a:xfrm>
+            <a:off x="5817445" y="3685768"/>
+            <a:ext cx="0" cy="72000"/>
+          </a:xfrm>
+          <a:prstGeom prst="line">
+            <a:avLst/>
+          </a:prstGeom>
+          <a:ln w="38100" cmpd="sng"/>
+        </p:spPr>
+        <p:style>
+          <a:lnRef idx="2">
+            <a:schemeClr val="accent1"/>
+          </a:lnRef>
+          <a:fillRef idx="0">
+            <a:schemeClr val="accent1"/>
+          </a:fillRef>
+          <a:effectRef idx="1">
+            <a:schemeClr val="accent1"/>
+          </a:effectRef>
+          <a:fontRef idx="minor">
+            <a:schemeClr val="tx1"/>
+          </a:fontRef>
+        </p:style>
+      </p:cxnSp>
+      <p:cxnSp>
+        <p:nvCxnSpPr>
+          <p:cNvPr id="100" name="Straight Connector 99"/>
+          <p:cNvCxnSpPr/>
+          <p:nvPr/>
+        </p:nvCxnSpPr>
+        <p:spPr>
+          <a:xfrm>
+            <a:off x="5817445" y="3479240"/>
+            <a:ext cx="0" cy="72000"/>
+          </a:xfrm>
+          <a:prstGeom prst="line">
+            <a:avLst/>
+          </a:prstGeom>
+          <a:ln w="38100" cmpd="sng"/>
+        </p:spPr>
+        <p:style>
+          <a:lnRef idx="2">
+            <a:schemeClr val="accent1"/>
+          </a:lnRef>
+          <a:fillRef idx="0">
+            <a:schemeClr val="accent1"/>
+          </a:fillRef>
+          <a:effectRef idx="1">
+            <a:schemeClr val="accent1"/>
+          </a:effectRef>
+          <a:fontRef idx="minor">
+            <a:schemeClr val="tx1"/>
+          </a:fontRef>
+        </p:style>
+      </p:cxnSp>
+      <p:cxnSp>
+        <p:nvCxnSpPr>
+          <p:cNvPr id="101" name="Straight Connector 100"/>
+          <p:cNvCxnSpPr/>
+          <p:nvPr/>
+        </p:nvCxnSpPr>
+        <p:spPr>
+          <a:xfrm>
+            <a:off x="5817445" y="3375976"/>
+            <a:ext cx="0" cy="72000"/>
+          </a:xfrm>
+          <a:prstGeom prst="line">
+            <a:avLst/>
+          </a:prstGeom>
+          <a:ln w="38100" cmpd="sng"/>
+        </p:spPr>
+        <p:style>
+          <a:lnRef idx="2">
+            <a:schemeClr val="accent1"/>
+          </a:lnRef>
+          <a:fillRef idx="0">
+            <a:schemeClr val="accent1"/>
+          </a:fillRef>
+          <a:effectRef idx="1">
+            <a:schemeClr val="accent1"/>
+          </a:effectRef>
+          <a:fontRef idx="minor">
+            <a:schemeClr val="tx1"/>
+          </a:fontRef>
+        </p:style>
+      </p:cxnSp>
+      <p:cxnSp>
+        <p:nvCxnSpPr>
+          <p:cNvPr id="105" name="Straight Connector 104"/>
+          <p:cNvCxnSpPr/>
+          <p:nvPr/>
+        </p:nvCxnSpPr>
+        <p:spPr>
+          <a:xfrm>
+            <a:off x="5817445" y="3995560"/>
+            <a:ext cx="0" cy="72000"/>
+          </a:xfrm>
+          <a:prstGeom prst="line">
+            <a:avLst/>
+          </a:prstGeom>
+          <a:ln w="38100" cmpd="sng"/>
+        </p:spPr>
+        <p:style>
+          <a:lnRef idx="2">
+            <a:schemeClr val="accent1"/>
+          </a:lnRef>
+          <a:fillRef idx="0">
+            <a:schemeClr val="accent1"/>
+          </a:fillRef>
+          <a:effectRef idx="1">
+            <a:schemeClr val="accent1"/>
+          </a:effectRef>
+          <a:fontRef idx="minor">
+            <a:schemeClr val="tx1"/>
+          </a:fontRef>
+        </p:style>
+      </p:cxnSp>
+      <p:cxnSp>
+        <p:nvCxnSpPr>
+          <p:cNvPr id="108" name="Straight Connector 107"/>
+          <p:cNvCxnSpPr/>
+          <p:nvPr/>
+        </p:nvCxnSpPr>
+        <p:spPr>
+          <a:xfrm>
+            <a:off x="5817445" y="3892296"/>
+            <a:ext cx="0" cy="72000"/>
+          </a:xfrm>
+          <a:prstGeom prst="line">
+            <a:avLst/>
+          </a:prstGeom>
+          <a:ln w="38100" cmpd="sng"/>
+        </p:spPr>
+        <p:style>
+          <a:lnRef idx="2">
+            <a:schemeClr val="accent1"/>
+          </a:lnRef>
+          <a:fillRef idx="0">
+            <a:schemeClr val="accent1"/>
+          </a:fillRef>
+          <a:effectRef idx="1">
+            <a:schemeClr val="accent1"/>
+          </a:effectRef>
+          <a:fontRef idx="minor">
+            <a:schemeClr val="tx1"/>
+          </a:fontRef>
+        </p:style>
+      </p:cxnSp>
+      <p:cxnSp>
+        <p:nvCxnSpPr>
+          <p:cNvPr id="111" name="Straight Connector 110"/>
+          <p:cNvCxnSpPr/>
+          <p:nvPr/>
+        </p:nvCxnSpPr>
+        <p:spPr>
+          <a:xfrm>
+            <a:off x="5817445" y="3582504"/>
+            <a:ext cx="0" cy="72000"/>
+          </a:xfrm>
+          <a:prstGeom prst="line">
+            <a:avLst/>
+          </a:prstGeom>
+          <a:ln w="38100" cmpd="sng"/>
+        </p:spPr>
+        <p:style>
+          <a:lnRef idx="2">
+            <a:schemeClr val="accent1"/>
+          </a:lnRef>
+          <a:fillRef idx="0">
+            <a:schemeClr val="accent1"/>
+          </a:fillRef>
+          <a:effectRef idx="1">
+            <a:schemeClr val="accent1"/>
+          </a:effectRef>
+          <a:fontRef idx="minor">
+            <a:schemeClr val="tx1"/>
+          </a:fontRef>
+        </p:style>
+      </p:cxnSp>
+      <p:cxnSp>
+        <p:nvCxnSpPr>
+          <p:cNvPr id="117" name="Straight Connector 116"/>
+          <p:cNvCxnSpPr/>
+          <p:nvPr/>
+        </p:nvCxnSpPr>
+        <p:spPr>
+          <a:xfrm>
+            <a:off x="5817445" y="1844608"/>
+            <a:ext cx="0" cy="72000"/>
+          </a:xfrm>
+          <a:prstGeom prst="line">
+            <a:avLst/>
+          </a:prstGeom>
+          <a:ln w="38100" cmpd="sng"/>
+        </p:spPr>
+        <p:style>
+          <a:lnRef idx="2">
+            <a:schemeClr val="accent1"/>
+          </a:lnRef>
+          <a:fillRef idx="0">
+            <a:schemeClr val="accent1"/>
+          </a:fillRef>
+          <a:effectRef idx="1">
+            <a:schemeClr val="accent1"/>
+          </a:effectRef>
+          <a:fontRef idx="minor">
+            <a:schemeClr val="tx1"/>
+          </a:fontRef>
+        </p:style>
+      </p:cxnSp>
     </p:spTree>
     <p:extLst>
       <p:ext uri="{BB962C8B-B14F-4D97-AF65-F5344CB8AC3E}">
@@ -5986,16 +5739,11 @@
               <a:rPr lang="en-US" sz="1200" b="1" dirty="0" smtClean="0"/>
               <a:t>Level 1 </a:t>
             </a:r>
-            <a:endParaRPr lang="en-US" sz="1200" b="1" dirty="0" smtClean="0"/>
           </a:p>
           <a:p>
             <a:r>
               <a:rPr lang="en-US" sz="1200" dirty="0" smtClean="0"/>
-              <a:t>1</a:t>
-            </a:r>
-            <a:r>
-              <a:rPr lang="en-US" sz="1200" dirty="0" smtClean="0"/>
-              <a:t>. Higher </a:t>
+              <a:t>1. Higher </a:t>
             </a:r>
             <a:r>
               <a:rPr lang="en-US" sz="1200" dirty="0"/>
@@ -6417,16 +6165,25 @@
               <a:t>A: </a:t>
             </a:r>
             <a:r>
+              <a:rPr lang="en-US" sz="1600" dirty="0" smtClean="0"/>
+              <a:t>Bloomberg</a:t>
+            </a:r>
+            <a:endParaRPr lang="en-US" sz="1600" dirty="0"/>
+          </a:p>
+          <a:p>
+            <a:r>
+              <a:rPr lang="en-US" sz="1600" dirty="0" smtClean="0"/>
+              <a:t>B</a:t>
+            </a:r>
+            <a:r>
+              <a:rPr lang="en-US" sz="1600" dirty="0"/>
+              <a:t>: </a:t>
+            </a:r>
+            <a:r>
               <a:rPr lang="en-US" sz="1600" dirty="0" err="1"/>
               <a:t>Baidu</a:t>
             </a:r>
-            <a:endParaRPr lang="en-US" sz="1600" dirty="0"/>
-          </a:p>
-          <a:p>
-            <a:r>
-              <a:rPr lang="en-US" sz="1600" dirty="0" smtClean="0"/>
-              <a:t>B: Bloomberg</a:t>
-            </a:r>
+            <a:endParaRPr lang="en-US" sz="1600" dirty="0" smtClean="0"/>
           </a:p>
           <a:p>
             <a:r>
@@ -6465,20 +6222,20 @@
       </p:sp>
       <p:sp>
         <p:nvSpPr>
-          <p:cNvPr id="32" name="Rectangle 31"/>
+          <p:cNvPr id="34" name="Rectangle 33"/>
           <p:cNvSpPr/>
           <p:nvPr/>
         </p:nvSpPr>
         <p:spPr>
-          <a:xfrm rot="5400000">
-            <a:off x="6419272" y="1476485"/>
-            <a:ext cx="144000" cy="208800"/>
+          <a:xfrm>
+            <a:off x="6562074" y="2883702"/>
+            <a:ext cx="144000" cy="432000"/>
           </a:xfrm>
           <a:prstGeom prst="rect">
             <a:avLst/>
           </a:prstGeom>
           <a:solidFill>
-            <a:srgbClr val="FDEADA"/>
+            <a:schemeClr val="accent6"/>
           </a:solidFill>
           <a:ln w="12700" cmpd="sng">
             <a:solidFill>
@@ -6503,12 +6260,12 @@
           </a:fontRef>
         </p:style>
         <p:txBody>
-          <a:bodyPr vert="vert270" lIns="0" rIns="0" rtlCol="0" anchor="ctr"/>
+          <a:bodyPr wrap="none" lIns="0" rIns="0" rtlCol="0" anchor="ctr"/>
           <a:lstStyle/>
           <a:p>
             <a:pPr algn="ctr"/>
             <a:r>
-              <a:rPr lang="en-US" sz="1100" dirty="0" smtClean="0">
+              <a:rPr lang="en-US" sz="1000" dirty="0" smtClean="0">
                 <a:ln w="3175" cmpd="sng">
                   <a:solidFill>
                     <a:srgbClr val="000000"/>
@@ -6517,9 +6274,9 @@
                 <a:latin typeface="Arial"/>
                 <a:cs typeface="Arial"/>
               </a:rPr>
-              <a:t>F</a:t>
-            </a:r>
-            <a:endParaRPr lang="en-US" sz="1100" dirty="0">
+              <a:t>B</a:t>
+            </a:r>
+            <a:endParaRPr lang="en-US" sz="1000" dirty="0">
               <a:ln w="3175" cmpd="sng">
                 <a:solidFill>
                   <a:srgbClr val="000000"/>
@@ -6533,23 +6290,20 @@
       </p:sp>
       <p:sp>
         <p:nvSpPr>
-          <p:cNvPr id="33" name="Rectangle 32"/>
+          <p:cNvPr id="36" name="Rectangle 35"/>
           <p:cNvSpPr/>
           <p:nvPr/>
         </p:nvSpPr>
         <p:spPr>
-          <a:xfrm rot="5400000">
-            <a:off x="6124754" y="1480274"/>
+          <a:xfrm>
+            <a:off x="6564949" y="3754199"/>
             <a:ext cx="144000" cy="208800"/>
           </a:xfrm>
           <a:prstGeom prst="rect">
             <a:avLst/>
           </a:prstGeom>
           <a:solidFill>
-            <a:schemeClr val="accent6">
-              <a:lumMod val="20000"/>
-              <a:lumOff val="80000"/>
-            </a:schemeClr>
+            <a:srgbClr val="FDEADA"/>
           </a:solidFill>
           <a:ln w="12700" cmpd="sng">
             <a:solidFill>
@@ -6574,7 +6328,7 @@
           </a:fontRef>
         </p:style>
         <p:txBody>
-          <a:bodyPr vert="vert270" lIns="0" rIns="0" rtlCol="0" anchor="ctr"/>
+          <a:bodyPr lIns="0" rIns="0" rtlCol="0" anchor="ctr"/>
           <a:lstStyle/>
           <a:p>
             <a:pPr algn="ctr"/>
@@ -6588,7 +6342,7 @@
                 <a:latin typeface="Arial"/>
                 <a:cs typeface="Arial"/>
               </a:rPr>
-              <a:t>E</a:t>
+              <a:t>D</a:t>
             </a:r>
             <a:endParaRPr lang="en-US" sz="1100" dirty="0">
               <a:ln w="3175" cmpd="sng">
@@ -6604,20 +6358,23 @@
       </p:sp>
       <p:sp>
         <p:nvSpPr>
-          <p:cNvPr id="34" name="Rectangle 33"/>
+          <p:cNvPr id="37" name="Rectangle 36"/>
           <p:cNvSpPr/>
           <p:nvPr/>
         </p:nvSpPr>
         <p:spPr>
           <a:xfrm>
-            <a:off x="6562074" y="2928006"/>
-            <a:ext cx="144000" cy="432000"/>
+            <a:off x="6564949" y="3501058"/>
+            <a:ext cx="144000" cy="208800"/>
           </a:xfrm>
           <a:prstGeom prst="rect">
             <a:avLst/>
           </a:prstGeom>
           <a:solidFill>
-            <a:schemeClr val="accent6"/>
+            <a:schemeClr val="accent6">
+              <a:lumMod val="20000"/>
+              <a:lumOff val="80000"/>
+            </a:schemeClr>
           </a:solidFill>
           <a:ln w="12700" cmpd="sng">
             <a:solidFill>
@@ -6642,12 +6399,12 @@
           </a:fontRef>
         </p:style>
         <p:txBody>
-          <a:bodyPr wrap="none" lIns="0" rIns="0" rtlCol="0" anchor="ctr"/>
+          <a:bodyPr lIns="0" rIns="0" rtlCol="0" anchor="ctr"/>
           <a:lstStyle/>
           <a:p>
             <a:pPr algn="ctr"/>
             <a:r>
-              <a:rPr lang="en-US" sz="1000" dirty="0" smtClean="0">
+              <a:rPr lang="en-US" sz="1100" dirty="0" smtClean="0">
                 <a:ln w="3175" cmpd="sng">
                   <a:solidFill>
                     <a:srgbClr val="000000"/>
@@ -6656,9 +6413,9 @@
                 <a:latin typeface="Arial"/>
                 <a:cs typeface="Arial"/>
               </a:rPr>
-              <a:t>B</a:t>
-            </a:r>
-            <a:endParaRPr lang="en-US" sz="1000" dirty="0">
+              <a:t>C</a:t>
+            </a:r>
+            <a:endParaRPr lang="en-US" sz="1100" dirty="0">
               <a:ln w="3175" cmpd="sng">
                 <a:solidFill>
                   <a:srgbClr val="000000"/>
@@ -6672,20 +6429,20 @@
       </p:sp>
       <p:sp>
         <p:nvSpPr>
-          <p:cNvPr id="36" name="Rectangle 35"/>
+          <p:cNvPr id="38" name="Rectangle 37"/>
           <p:cNvSpPr/>
           <p:nvPr/>
         </p:nvSpPr>
         <p:spPr>
           <a:xfrm>
-            <a:off x="6564949" y="3754199"/>
-            <a:ext cx="144000" cy="208800"/>
+            <a:off x="6564949" y="2328330"/>
+            <a:ext cx="144000" cy="432000"/>
           </a:xfrm>
           <a:prstGeom prst="rect">
             <a:avLst/>
           </a:prstGeom>
           <a:solidFill>
-            <a:srgbClr val="FDEADA"/>
+            <a:schemeClr val="accent6"/>
           </a:solidFill>
           <a:ln w="12700" cmpd="sng">
             <a:solidFill>
@@ -6724,7 +6481,7 @@
                 <a:latin typeface="Arial"/>
                 <a:cs typeface="Arial"/>
               </a:rPr>
-              <a:t>D</a:t>
+              <a:t>A</a:t>
             </a:r>
             <a:endParaRPr lang="en-US" sz="1100" dirty="0">
               <a:ln w="3175" cmpd="sng">
@@ -6740,23 +6497,20 @@
       </p:sp>
       <p:sp>
         <p:nvSpPr>
-          <p:cNvPr id="37" name="Rectangle 36"/>
+          <p:cNvPr id="15" name="Rectangle 14"/>
           <p:cNvSpPr/>
           <p:nvPr/>
         </p:nvSpPr>
         <p:spPr>
           <a:xfrm>
-            <a:off x="6564949" y="3501058"/>
+            <a:off x="6107149" y="3360006"/>
             <a:ext cx="144000" cy="208800"/>
           </a:xfrm>
           <a:prstGeom prst="rect">
             <a:avLst/>
           </a:prstGeom>
           <a:solidFill>
-            <a:schemeClr val="accent6">
-              <a:lumMod val="20000"/>
-              <a:lumOff val="80000"/>
-            </a:schemeClr>
+            <a:srgbClr val="FDEADA"/>
           </a:solidFill>
           <a:ln w="12700" cmpd="sng">
             <a:solidFill>
@@ -6795,7 +6549,7 @@
                 <a:latin typeface="Arial"/>
                 <a:cs typeface="Arial"/>
               </a:rPr>
-              <a:t>C</a:t>
+              <a:t>E</a:t>
             </a:r>
             <a:endParaRPr lang="en-US" sz="1100" dirty="0">
               <a:ln w="3175" cmpd="sng">
@@ -6811,20 +6565,23 @@
       </p:sp>
       <p:sp>
         <p:nvSpPr>
-          <p:cNvPr id="38" name="Rectangle 37"/>
+          <p:cNvPr id="16" name="Rectangle 15"/>
           <p:cNvSpPr/>
           <p:nvPr/>
         </p:nvSpPr>
         <p:spPr>
           <a:xfrm>
-            <a:off x="6564949" y="2357866"/>
-            <a:ext cx="144000" cy="432000"/>
+            <a:off x="6107149" y="3106865"/>
+            <a:ext cx="144000" cy="208800"/>
           </a:xfrm>
           <a:prstGeom prst="rect">
             <a:avLst/>
           </a:prstGeom>
           <a:solidFill>
-            <a:schemeClr val="accent6"/>
+            <a:schemeClr val="accent6">
+              <a:lumMod val="20000"/>
+              <a:lumOff val="80000"/>
+            </a:schemeClr>
           </a:solidFill>
           <a:ln w="12700" cmpd="sng">
             <a:solidFill>
@@ -6863,7 +6620,7 @@
                 <a:latin typeface="Arial"/>
                 <a:cs typeface="Arial"/>
               </a:rPr>
-              <a:t>A</a:t>
+              <a:t>F</a:t>
             </a:r>
             <a:endParaRPr lang="en-US" sz="1100" dirty="0">
               <a:ln w="3175" cmpd="sng">
